--- a/Зайцева, ИУ7-52Б/src/PREZ.PPTX
+++ b/Зайцева, ИУ7-52Б/src/PREZ.PPTX
@@ -1,21 +1,22 @@
 
 <file path=ppt/presentation.xml><?xml version="1.0" encoding="utf-8"?>
-<p:presentation xmlns:a="http://schemas.openxmlformats.org/drawingml/2006/main" xmlns:r="http://schemas.openxmlformats.org/officeDocument/2006/relationships" xmlns:p="http://schemas.openxmlformats.org/presentationml/2006/main" saveSubsetFonts="1">
+<p:presentation xmlns:a="http://schemas.openxmlformats.org/drawingml/2006/main" xmlns:r="http://schemas.openxmlformats.org/officeDocument/2006/relationships" xmlns:p="http://schemas.openxmlformats.org/presentationml/2006/main" showSpecialPlsOnTitleSld="0" saveSubsetFonts="1">
   <p:sldMasterIdLst>
     <p:sldMasterId id="2147483648" r:id="rId1"/>
   </p:sldMasterIdLst>
   <p:notesMasterIdLst>
-    <p:notesMasterId r:id="rId10"/>
+    <p:notesMasterId r:id="rId11"/>
   </p:notesMasterIdLst>
   <p:sldIdLst>
     <p:sldId id="256" r:id="rId2"/>
     <p:sldId id="257" r:id="rId3"/>
     <p:sldId id="263" r:id="rId4"/>
-    <p:sldId id="258" r:id="rId5"/>
-    <p:sldId id="259" r:id="rId6"/>
-    <p:sldId id="260" r:id="rId7"/>
-    <p:sldId id="262" r:id="rId8"/>
-    <p:sldId id="261" r:id="rId9"/>
+    <p:sldId id="259" r:id="rId5"/>
+    <p:sldId id="258" r:id="rId6"/>
+    <p:sldId id="264" r:id="rId7"/>
+    <p:sldId id="265" r:id="rId8"/>
+    <p:sldId id="260" r:id="rId9"/>
+    <p:sldId id="261" r:id="rId10"/>
   </p:sldIdLst>
   <p:sldSz cx="12192000" cy="6858000"/>
   <p:notesSz cx="6858000" cy="9144000"/>
@@ -204,7 +205,7 @@
           <a:p>
             <a:fld id="{D0CA07D0-C713-4707-B7B7-05ADC177FCCD}" type="datetimeFigureOut">
               <a:rPr lang="ru-RU" smtClean="0"/>
-              <a:t>17.01.2022</a:t>
+              <a:t>18.01.2022</a:t>
             </a:fld>
             <a:endParaRPr lang="ru-RU"/>
           </a:p>
@@ -516,6 +517,90 @@
           <a:bodyPr/>
           <a:lstStyle/>
           <a:p>
+            <a:endParaRPr lang="ru-RU"/>
+          </a:p>
+        </p:txBody>
+      </p:sp>
+      <p:sp>
+        <p:nvSpPr>
+          <p:cNvPr id="4" name="Номер слайда 3"/>
+          <p:cNvSpPr>
+            <a:spLocks noGrp="1"/>
+          </p:cNvSpPr>
+          <p:nvPr>
+            <p:ph type="sldNum" sz="quarter" idx="10"/>
+          </p:nvPr>
+        </p:nvSpPr>
+        <p:spPr/>
+        <p:txBody>
+          <a:bodyPr/>
+          <a:lstStyle/>
+          <a:p>
+            <a:fld id="{4894E148-E371-465A-ABF5-79AB384C5595}" type="slidenum">
+              <a:rPr lang="ru-RU" smtClean="0"/>
+              <a:t>2</a:t>
+            </a:fld>
+            <a:endParaRPr lang="ru-RU"/>
+          </a:p>
+        </p:txBody>
+      </p:sp>
+    </p:spTree>
+    <p:extLst>
+      <p:ext uri="{BB962C8B-B14F-4D97-AF65-F5344CB8AC3E}">
+        <p14:creationId xmlns:p14="http://schemas.microsoft.com/office/powerpoint/2010/main" val="89539680"/>
+      </p:ext>
+    </p:extLst>
+  </p:cSld>
+  <p:clrMapOvr>
+    <a:masterClrMapping/>
+  </p:clrMapOvr>
+</p:notes>
+</file>
+
+<file path=ppt/notesSlides/notesSlide2.xml><?xml version="1.0" encoding="utf-8"?>
+<p:notes xmlns:a="http://schemas.openxmlformats.org/drawingml/2006/main" xmlns:r="http://schemas.openxmlformats.org/officeDocument/2006/relationships" xmlns:p="http://schemas.openxmlformats.org/presentationml/2006/main">
+  <p:cSld>
+    <p:spTree>
+      <p:nvGrpSpPr>
+        <p:cNvPr id="1" name=""/>
+        <p:cNvGrpSpPr/>
+        <p:nvPr/>
+      </p:nvGrpSpPr>
+      <p:grpSpPr>
+        <a:xfrm>
+          <a:off x="0" y="0"/>
+          <a:ext cx="0" cy="0"/>
+          <a:chOff x="0" y="0"/>
+          <a:chExt cx="0" cy="0"/>
+        </a:xfrm>
+      </p:grpSpPr>
+      <p:sp>
+        <p:nvSpPr>
+          <p:cNvPr id="2" name="Образ слайда 1"/>
+          <p:cNvSpPr>
+            <a:spLocks noGrp="1" noRot="1" noChangeAspect="1"/>
+          </p:cNvSpPr>
+          <p:nvPr>
+            <p:ph type="sldImg"/>
+          </p:nvPr>
+        </p:nvSpPr>
+        <p:spPr/>
+      </p:sp>
+      <p:sp>
+        <p:nvSpPr>
+          <p:cNvPr id="3" name="Заметки 2"/>
+          <p:cNvSpPr>
+            <a:spLocks noGrp="1"/>
+          </p:cNvSpPr>
+          <p:nvPr>
+            <p:ph type="body" idx="1"/>
+          </p:nvPr>
+        </p:nvSpPr>
+        <p:spPr/>
+        <p:txBody>
+          <a:bodyPr/>
+          <a:lstStyle/>
+          <a:p>
             <a:endParaRPr lang="ru-RU" dirty="0"/>
           </a:p>
         </p:txBody>
@@ -537,7 +622,7 @@
           <a:p>
             <a:fld id="{4894E148-E371-465A-ABF5-79AB384C5595}" type="slidenum">
               <a:rPr lang="ru-RU" smtClean="0"/>
-              <a:t>4</a:t>
+              <a:t>5</a:t>
             </a:fld>
             <a:endParaRPr lang="ru-RU"/>
           </a:p>
@@ -547,6 +632,90 @@
     <p:extLst>
       <p:ext uri="{BB962C8B-B14F-4D97-AF65-F5344CB8AC3E}">
         <p14:creationId xmlns:p14="http://schemas.microsoft.com/office/powerpoint/2010/main" val="1597439020"/>
+      </p:ext>
+    </p:extLst>
+  </p:cSld>
+  <p:clrMapOvr>
+    <a:masterClrMapping/>
+  </p:clrMapOvr>
+</p:notes>
+</file>
+
+<file path=ppt/notesSlides/notesSlide3.xml><?xml version="1.0" encoding="utf-8"?>
+<p:notes xmlns:a="http://schemas.openxmlformats.org/drawingml/2006/main" xmlns:r="http://schemas.openxmlformats.org/officeDocument/2006/relationships" xmlns:p="http://schemas.openxmlformats.org/presentationml/2006/main">
+  <p:cSld>
+    <p:spTree>
+      <p:nvGrpSpPr>
+        <p:cNvPr id="1" name=""/>
+        <p:cNvGrpSpPr/>
+        <p:nvPr/>
+      </p:nvGrpSpPr>
+      <p:grpSpPr>
+        <a:xfrm>
+          <a:off x="0" y="0"/>
+          <a:ext cx="0" cy="0"/>
+          <a:chOff x="0" y="0"/>
+          <a:chExt cx="0" cy="0"/>
+        </a:xfrm>
+      </p:grpSpPr>
+      <p:sp>
+        <p:nvSpPr>
+          <p:cNvPr id="2" name="Образ слайда 1"/>
+          <p:cNvSpPr>
+            <a:spLocks noGrp="1" noRot="1" noChangeAspect="1"/>
+          </p:cNvSpPr>
+          <p:nvPr>
+            <p:ph type="sldImg"/>
+          </p:nvPr>
+        </p:nvSpPr>
+        <p:spPr/>
+      </p:sp>
+      <p:sp>
+        <p:nvSpPr>
+          <p:cNvPr id="3" name="Заметки 2"/>
+          <p:cNvSpPr>
+            <a:spLocks noGrp="1"/>
+          </p:cNvSpPr>
+          <p:nvPr>
+            <p:ph type="body" idx="1"/>
+          </p:nvPr>
+        </p:nvSpPr>
+        <p:spPr/>
+        <p:txBody>
+          <a:bodyPr/>
+          <a:lstStyle/>
+          <a:p>
+            <a:endParaRPr lang="ru-RU" dirty="0"/>
+          </a:p>
+        </p:txBody>
+      </p:sp>
+      <p:sp>
+        <p:nvSpPr>
+          <p:cNvPr id="4" name="Номер слайда 3"/>
+          <p:cNvSpPr>
+            <a:spLocks noGrp="1"/>
+          </p:cNvSpPr>
+          <p:nvPr>
+            <p:ph type="sldNum" sz="quarter" idx="10"/>
+          </p:nvPr>
+        </p:nvSpPr>
+        <p:spPr/>
+        <p:txBody>
+          <a:bodyPr/>
+          <a:lstStyle/>
+          <a:p>
+            <a:fld id="{4894E148-E371-465A-ABF5-79AB384C5595}" type="slidenum">
+              <a:rPr lang="ru-RU" smtClean="0"/>
+              <a:t>6</a:t>
+            </a:fld>
+            <a:endParaRPr lang="ru-RU"/>
+          </a:p>
+        </p:txBody>
+      </p:sp>
+    </p:spTree>
+    <p:extLst>
+      <p:ext uri="{BB962C8B-B14F-4D97-AF65-F5344CB8AC3E}">
+        <p14:creationId xmlns:p14="http://schemas.microsoft.com/office/powerpoint/2010/main" val="4032035683"/>
       </p:ext>
     </p:extLst>
   </p:cSld>
@@ -685,9 +854,9 @@
           <a:bodyPr/>
           <a:lstStyle/>
           <a:p>
-            <a:fld id="{2C160693-C634-476B-8D5B-95DFFC4A19FA}" type="datetimeFigureOut">
-              <a:rPr lang="ru-RU" smtClean="0"/>
-              <a:t>17.01.2022</a:t>
+            <a:fld id="{5AAF1424-BF33-42F3-A30D-91F0737B447B}" type="datetime1">
+              <a:rPr lang="ru-RU" smtClean="0"/>
+              <a:t>18.01.2022</a:t>
             </a:fld>
             <a:endParaRPr lang="ru-RU"/>
           </a:p>
@@ -855,9 +1024,9 @@
           <a:bodyPr/>
           <a:lstStyle/>
           <a:p>
-            <a:fld id="{2C160693-C634-476B-8D5B-95DFFC4A19FA}" type="datetimeFigureOut">
-              <a:rPr lang="ru-RU" smtClean="0"/>
-              <a:t>17.01.2022</a:t>
+            <a:fld id="{EA1605EF-BFAB-4F54-A4CF-190CCB9DC126}" type="datetime1">
+              <a:rPr lang="ru-RU" smtClean="0"/>
+              <a:t>18.01.2022</a:t>
             </a:fld>
             <a:endParaRPr lang="ru-RU"/>
           </a:p>
@@ -1035,9 +1204,9 @@
           <a:bodyPr/>
           <a:lstStyle/>
           <a:p>
-            <a:fld id="{2C160693-C634-476B-8D5B-95DFFC4A19FA}" type="datetimeFigureOut">
-              <a:rPr lang="ru-RU" smtClean="0"/>
-              <a:t>17.01.2022</a:t>
+            <a:fld id="{5A0ACFB2-144D-4BB0-9036-108ABC8679EA}" type="datetime1">
+              <a:rPr lang="ru-RU" smtClean="0"/>
+              <a:t>18.01.2022</a:t>
             </a:fld>
             <a:endParaRPr lang="ru-RU"/>
           </a:p>
@@ -1205,9 +1374,9 @@
           <a:bodyPr/>
           <a:lstStyle/>
           <a:p>
-            <a:fld id="{2C160693-C634-476B-8D5B-95DFFC4A19FA}" type="datetimeFigureOut">
-              <a:rPr lang="ru-RU" smtClean="0"/>
-              <a:t>17.01.2022</a:t>
+            <a:fld id="{B44461C9-F680-4D34-8AC6-1C4636D68AAB}" type="datetime1">
+              <a:rPr lang="ru-RU" smtClean="0"/>
+              <a:t>18.01.2022</a:t>
             </a:fld>
             <a:endParaRPr lang="ru-RU"/>
           </a:p>
@@ -1451,9 +1620,9 @@
           <a:bodyPr/>
           <a:lstStyle/>
           <a:p>
-            <a:fld id="{2C160693-C634-476B-8D5B-95DFFC4A19FA}" type="datetimeFigureOut">
-              <a:rPr lang="ru-RU" smtClean="0"/>
-              <a:t>17.01.2022</a:t>
+            <a:fld id="{09C6B232-A6E4-4651-B2E3-A5074C50621C}" type="datetime1">
+              <a:rPr lang="ru-RU" smtClean="0"/>
+              <a:t>18.01.2022</a:t>
             </a:fld>
             <a:endParaRPr lang="ru-RU"/>
           </a:p>
@@ -1683,9 +1852,9 @@
           <a:bodyPr/>
           <a:lstStyle/>
           <a:p>
-            <a:fld id="{2C160693-C634-476B-8D5B-95DFFC4A19FA}" type="datetimeFigureOut">
-              <a:rPr lang="ru-RU" smtClean="0"/>
-              <a:t>17.01.2022</a:t>
+            <a:fld id="{53433D1C-9CE1-4173-8304-3590869F898E}" type="datetime1">
+              <a:rPr lang="ru-RU" smtClean="0"/>
+              <a:t>18.01.2022</a:t>
             </a:fld>
             <a:endParaRPr lang="ru-RU"/>
           </a:p>
@@ -2050,9 +2219,9 @@
           <a:bodyPr/>
           <a:lstStyle/>
           <a:p>
-            <a:fld id="{2C160693-C634-476B-8D5B-95DFFC4A19FA}" type="datetimeFigureOut">
-              <a:rPr lang="ru-RU" smtClean="0"/>
-              <a:t>17.01.2022</a:t>
+            <a:fld id="{ECEC9917-FCF4-4A64-B29D-91F3B09267A6}" type="datetime1">
+              <a:rPr lang="ru-RU" smtClean="0"/>
+              <a:t>18.01.2022</a:t>
             </a:fld>
             <a:endParaRPr lang="ru-RU"/>
           </a:p>
@@ -2168,9 +2337,9 @@
           <a:bodyPr/>
           <a:lstStyle/>
           <a:p>
-            <a:fld id="{2C160693-C634-476B-8D5B-95DFFC4A19FA}" type="datetimeFigureOut">
-              <a:rPr lang="ru-RU" smtClean="0"/>
-              <a:t>17.01.2022</a:t>
+            <a:fld id="{9771C29A-DE89-40AB-AED4-4B08A519556E}" type="datetime1">
+              <a:rPr lang="ru-RU" smtClean="0"/>
+              <a:t>18.01.2022</a:t>
             </a:fld>
             <a:endParaRPr lang="ru-RU"/>
           </a:p>
@@ -2263,9 +2432,9 @@
           <a:bodyPr/>
           <a:lstStyle/>
           <a:p>
-            <a:fld id="{2C160693-C634-476B-8D5B-95DFFC4A19FA}" type="datetimeFigureOut">
-              <a:rPr lang="ru-RU" smtClean="0"/>
-              <a:t>17.01.2022</a:t>
+            <a:fld id="{32AA49BF-2CF3-48BD-B5C2-DD2B8F5F039E}" type="datetime1">
+              <a:rPr lang="ru-RU" smtClean="0"/>
+              <a:t>18.01.2022</a:t>
             </a:fld>
             <a:endParaRPr lang="ru-RU"/>
           </a:p>
@@ -2540,9 +2709,9 @@
           <a:bodyPr/>
           <a:lstStyle/>
           <a:p>
-            <a:fld id="{2C160693-C634-476B-8D5B-95DFFC4A19FA}" type="datetimeFigureOut">
-              <a:rPr lang="ru-RU" smtClean="0"/>
-              <a:t>17.01.2022</a:t>
+            <a:fld id="{A1730006-1FF7-4DDE-8084-5F750633F0D3}" type="datetime1">
+              <a:rPr lang="ru-RU" smtClean="0"/>
+              <a:t>18.01.2022</a:t>
             </a:fld>
             <a:endParaRPr lang="ru-RU"/>
           </a:p>
@@ -2793,9 +2962,9 @@
           <a:bodyPr/>
           <a:lstStyle/>
           <a:p>
-            <a:fld id="{2C160693-C634-476B-8D5B-95DFFC4A19FA}" type="datetimeFigureOut">
-              <a:rPr lang="ru-RU" smtClean="0"/>
-              <a:t>17.01.2022</a:t>
+            <a:fld id="{15A434A2-7BD2-41A4-B113-C9D38292C2BF}" type="datetime1">
+              <a:rPr lang="ru-RU" smtClean="0"/>
+              <a:t>18.01.2022</a:t>
             </a:fld>
             <a:endParaRPr lang="ru-RU"/>
           </a:p>
@@ -3006,9 +3175,9 @@
             </a:lvl1pPr>
           </a:lstStyle>
           <a:p>
-            <a:fld id="{2C160693-C634-476B-8D5B-95DFFC4A19FA}" type="datetimeFigureOut">
-              <a:rPr lang="ru-RU" smtClean="0"/>
-              <a:t>17.01.2022</a:t>
+            <a:fld id="{B620D0DB-7691-42E8-A941-E902139442F2}" type="datetime1">
+              <a:rPr lang="ru-RU" smtClean="0"/>
+              <a:t>18.01.2022</a:t>
             </a:fld>
             <a:endParaRPr lang="ru-RU"/>
           </a:p>
@@ -3113,6 +3282,7 @@
     <p:sldLayoutId id="2147483658" r:id="rId10"/>
     <p:sldLayoutId id="2147483659" r:id="rId11"/>
   </p:sldLayoutIdLst>
+  <p:hf hdr="0" ftr="0" dt="0"/>
   <p:txStyles>
     <p:titleStyle>
       <a:lvl1pPr algn="l" defTabSz="914400" rtl="0" eaLnBrk="1" latinLnBrk="0" hangingPunct="1">
@@ -3526,7 +3696,15 @@
             <a:pPr algn="ctr"/>
             <a:r>
               <a:rPr lang="ru-RU" sz="2000" dirty="0" smtClean="0"/>
-              <a:t>Москва, 2021 г.</a:t>
+              <a:t>Москва, </a:t>
+            </a:r>
+            <a:r>
+              <a:rPr lang="ru-RU" sz="2000" dirty="0" smtClean="0"/>
+              <a:t>2022 </a:t>
+            </a:r>
+            <a:r>
+              <a:rPr lang="ru-RU" sz="2000" dirty="0" smtClean="0"/>
+              <a:t>г.</a:t>
             </a:r>
             <a:endParaRPr lang="ru-RU" sz="2000" dirty="0"/>
           </a:p>
@@ -3631,7 +3809,6 @@
               <a:rPr lang="ru-RU" sz="2400" dirty="0" smtClean="0"/>
               <a:t>текстов.</a:t>
             </a:r>
-            <a:endParaRPr lang="ru-RU" sz="2400" dirty="0" smtClean="0"/>
           </a:p>
           <a:p>
             <a:pPr marL="0" indent="0">
@@ -3709,6 +3886,29 @@
               <a:rPr lang="ru-RU" sz="2400" dirty="0"/>
               <a:t>, какой метод или методы являются лучшими по совокупности критериев.</a:t>
             </a:r>
+          </a:p>
+        </p:txBody>
+      </p:sp>
+      <p:sp>
+        <p:nvSpPr>
+          <p:cNvPr id="4" name="Номер слайда 3"/>
+          <p:cNvSpPr>
+            <a:spLocks noGrp="1"/>
+          </p:cNvSpPr>
+          <p:nvPr>
+            <p:ph type="sldNum" sz="quarter" idx="12"/>
+          </p:nvPr>
+        </p:nvSpPr>
+        <p:spPr/>
+        <p:txBody>
+          <a:bodyPr/>
+          <a:lstStyle/>
+          <a:p>
+            <a:fld id="{C3D39DBA-7BC8-4DF7-BDDF-033362F667C7}" type="slidenum">
+              <a:rPr lang="ru-RU" sz="1600" smtClean="0"/>
+              <a:t>2</a:t>
+            </a:fld>
+            <a:endParaRPr lang="ru-RU" sz="1600" dirty="0"/>
           </a:p>
         </p:txBody>
       </p:sp>
@@ -3865,6 +4065,29 @@
           </a:p>
         </p:txBody>
       </p:sp>
+      <p:sp>
+        <p:nvSpPr>
+          <p:cNvPr id="4" name="Номер слайда 3"/>
+          <p:cNvSpPr>
+            <a:spLocks noGrp="1"/>
+          </p:cNvSpPr>
+          <p:nvPr>
+            <p:ph type="sldNum" sz="quarter" idx="12"/>
+          </p:nvPr>
+        </p:nvSpPr>
+        <p:spPr/>
+        <p:txBody>
+          <a:bodyPr/>
+          <a:lstStyle/>
+          <a:p>
+            <a:fld id="{C3D39DBA-7BC8-4DF7-BDDF-033362F667C7}" type="slidenum">
+              <a:rPr lang="ru-RU" sz="1600" smtClean="0"/>
+              <a:t>3</a:t>
+            </a:fld>
+            <a:endParaRPr lang="ru-RU" sz="1600" dirty="0"/>
+          </a:p>
+        </p:txBody>
+      </p:sp>
     </p:spTree>
     <p:extLst>
       <p:ext uri="{BB962C8B-B14F-4D97-AF65-F5344CB8AC3E}">
@@ -3914,16 +4137,14 @@
         </p:nvSpPr>
         <p:spPr/>
         <p:txBody>
-          <a:bodyPr>
-            <a:normAutofit/>
-          </a:bodyPr>
+          <a:bodyPr/>
           <a:lstStyle/>
           <a:p>
             <a:r>
               <a:rPr lang="ru-RU" sz="4800" b="1" dirty="0" smtClean="0"/>
-              <a:t>Метрики</a:t>
-            </a:r>
-            <a:endParaRPr lang="ru-RU" sz="4800" b="1" dirty="0"/>
+              <a:t>Критерии</a:t>
+            </a:r>
+            <a:endParaRPr lang="ru-RU" b="1" dirty="0"/>
           </a:p>
         </p:txBody>
       </p:sp>
@@ -3939,201 +4160,104 @@
         </p:nvSpPr>
         <p:spPr>
           <a:xfrm>
-            <a:off x="786684" y="2043891"/>
-            <a:ext cx="10082048" cy="5065987"/>
+            <a:off x="838200" y="1690688"/>
+            <a:ext cx="10111007" cy="4556804"/>
           </a:xfrm>
         </p:spPr>
         <p:txBody>
           <a:bodyPr>
-            <a:normAutofit/>
+            <a:normAutofit lnSpcReduction="10000"/>
           </a:bodyPr>
           <a:lstStyle/>
           <a:p>
             <a:r>
-              <a:rPr lang="ru-RU" sz="2400" dirty="0"/>
-              <a:t>Индексы </a:t>
-            </a:r>
-            <a:r>
               <a:rPr lang="ru-RU" sz="2400" dirty="0" smtClean="0"/>
-              <a:t>удобочитаемости</a:t>
-            </a:r>
-          </a:p>
-          <a:p>
-            <a:r>
-              <a:rPr lang="en-US" sz="2400" dirty="0" smtClean="0"/>
-              <a:t>SARI</a:t>
-            </a:r>
+              <a:t>Понимание задачи: </a:t>
+            </a:r>
+            <a:endParaRPr lang="en-US" sz="2400" dirty="0" smtClean="0"/>
+          </a:p>
+          <a:p>
+            <a:pPr lvl="1"/>
+            <a:r>
+              <a:rPr lang="ru-RU" sz="2000" dirty="0" smtClean="0"/>
+              <a:t>в </a:t>
+            </a:r>
+            <a:r>
+              <a:rPr lang="ru-RU" sz="2000" dirty="0" smtClean="0"/>
+              <a:t>узком </a:t>
+            </a:r>
+            <a:r>
+              <a:rPr lang="ru-RU" sz="2000" dirty="0"/>
+              <a:t>смысле </a:t>
+            </a:r>
+            <a:r>
+              <a:rPr lang="ru-RU" sz="2000" dirty="0" smtClean="0"/>
+              <a:t>(как процесс</a:t>
+            </a:r>
+            <a:r>
+              <a:rPr lang="ru-RU" sz="2000" dirty="0"/>
+              <a:t>, целью которого является получение более легкого для чтения и понимания текста за счет уменьшения его лексической и структурной </a:t>
+            </a:r>
+            <a:r>
+              <a:rPr lang="ru-RU" sz="2000" dirty="0" smtClean="0"/>
+              <a:t>сложности)</a:t>
+            </a:r>
+            <a:r>
+              <a:rPr lang="en-US" sz="2000" dirty="0" smtClean="0"/>
+              <a:t>;</a:t>
+            </a:r>
+            <a:endParaRPr lang="en-US" sz="2000" dirty="0" smtClean="0"/>
+          </a:p>
+          <a:p>
+            <a:pPr lvl="1"/>
+            <a:r>
+              <a:rPr lang="ru-RU" sz="2000" dirty="0" smtClean="0"/>
+              <a:t>широком смысле (как процесс, </a:t>
+            </a:r>
+            <a:r>
+              <a:rPr lang="ru-RU" sz="2000" dirty="0" smtClean="0"/>
+              <a:t>охватывающий </a:t>
+            </a:r>
+            <a:r>
+              <a:rPr lang="ru-RU" sz="2000" dirty="0"/>
+              <a:t>и другие </a:t>
+            </a:r>
+            <a:r>
+              <a:rPr lang="ru-RU" sz="2000" dirty="0" smtClean="0"/>
+              <a:t>операции</a:t>
+            </a:r>
+            <a:r>
+              <a:rPr lang="ru-RU" sz="2000" dirty="0"/>
+              <a:t>: смысловое изменение для упрощения как формы, так и </a:t>
+            </a:r>
+            <a:r>
+              <a:rPr lang="ru-RU" sz="2000" dirty="0" smtClean="0"/>
+              <a:t>содержания</a:t>
+            </a:r>
+            <a:r>
+              <a:rPr lang="ru-RU" sz="2000" dirty="0"/>
+              <a:t>; краткое изложение текста для исключения второстепенной или избыточной </a:t>
+            </a:r>
+            <a:r>
+              <a:rPr lang="ru-RU" sz="2000" dirty="0" smtClean="0"/>
+              <a:t>информации)</a:t>
+            </a:r>
+            <a:r>
+              <a:rPr lang="en-US" sz="2000" dirty="0" smtClean="0"/>
+              <a:t>.</a:t>
+            </a:r>
+            <a:endParaRPr lang="ru-RU" sz="2000" dirty="0" smtClean="0"/>
+          </a:p>
+          <a:p>
             <a:r>
               <a:rPr lang="ru-RU" sz="2400" dirty="0" smtClean="0"/>
-              <a:t> (</a:t>
-            </a:r>
-            <a:r>
-              <a:rPr lang="en-US" sz="2400" dirty="0"/>
-              <a:t>S</a:t>
-            </a:r>
-            <a:r>
-              <a:rPr lang="en-US" sz="2400" dirty="0" smtClean="0"/>
-              <a:t>ystem </a:t>
-            </a:r>
-            <a:r>
-              <a:rPr lang="en-US" sz="2400" dirty="0"/>
-              <a:t>output A</a:t>
-            </a:r>
-            <a:r>
-              <a:rPr lang="en-US" sz="2400" dirty="0" smtClean="0"/>
-              <a:t>gainst References </a:t>
-            </a:r>
-            <a:r>
-              <a:rPr lang="en-US" sz="2400" dirty="0"/>
-              <a:t>and against the </a:t>
-            </a:r>
-            <a:r>
-              <a:rPr lang="en-US" sz="2400" dirty="0" smtClean="0"/>
-              <a:t>Input sentence</a:t>
+              <a:t>Учет двух составляющих «простоты</a:t>
             </a:r>
             <a:r>
               <a:rPr lang="ru-RU" sz="2400" dirty="0" smtClean="0"/>
-              <a:t>)</a:t>
-            </a:r>
-          </a:p>
-          <a:p>
-            <a:r>
-              <a:rPr lang="en-US" sz="2400" dirty="0"/>
-              <a:t>SAMSA </a:t>
-            </a:r>
-            <a:r>
-              <a:rPr lang="en-US" sz="2400" dirty="0" smtClean="0"/>
-              <a:t>(Simplification Automatic </a:t>
-            </a:r>
-            <a:r>
-              <a:rPr lang="en-US" sz="2400" dirty="0"/>
-              <a:t>evaluation </a:t>
-            </a:r>
-            <a:r>
-              <a:rPr lang="en-US" sz="2400" dirty="0" smtClean="0"/>
-              <a:t>Measure </a:t>
-            </a:r>
-            <a:r>
-              <a:rPr lang="en-US" sz="2400" dirty="0"/>
-              <a:t>through </a:t>
-            </a:r>
-            <a:r>
-              <a:rPr lang="en-US" sz="2400" dirty="0" smtClean="0"/>
-              <a:t>Semantic </a:t>
-            </a:r>
-            <a:r>
-              <a:rPr lang="en-US" sz="2400" dirty="0"/>
-              <a:t>A</a:t>
-            </a:r>
-            <a:r>
-              <a:rPr lang="en-US" sz="2400" dirty="0" smtClean="0"/>
-              <a:t>nnotation)</a:t>
-            </a:r>
-            <a:endParaRPr lang="ru-RU" sz="2400" dirty="0"/>
-          </a:p>
-          <a:p>
+              <a:t>»:</a:t>
+            </a:r>
             <a:endParaRPr lang="ru-RU" sz="2400" dirty="0" smtClean="0"/>
-          </a:p>
-          <a:p>
-            <a:pPr marL="0" indent="0">
-              <a:buNone/>
-            </a:pPr>
-            <a:endParaRPr lang="ru-RU" sz="2400" dirty="0"/>
-          </a:p>
-        </p:txBody>
-      </p:sp>
-    </p:spTree>
-    <p:extLst>
-      <p:ext uri="{BB962C8B-B14F-4D97-AF65-F5344CB8AC3E}">
-        <p14:creationId xmlns:p14="http://schemas.microsoft.com/office/powerpoint/2010/main" val="3919321332"/>
-      </p:ext>
-    </p:extLst>
-  </p:cSld>
-  <p:clrMapOvr>
-    <a:masterClrMapping/>
-  </p:clrMapOvr>
-  <p:timing>
-    <p:tnLst>
-      <p:par>
-        <p:cTn id="1" dur="indefinite" restart="never" nodeType="tmRoot"/>
-      </p:par>
-    </p:tnLst>
-  </p:timing>
-</p:sld>
-</file>
-
-<file path=ppt/slides/slide5.xml><?xml version="1.0" encoding="utf-8"?>
-<p:sld xmlns:a="http://schemas.openxmlformats.org/drawingml/2006/main" xmlns:r="http://schemas.openxmlformats.org/officeDocument/2006/relationships" xmlns:p="http://schemas.openxmlformats.org/presentationml/2006/main">
-  <p:cSld>
-    <p:spTree>
-      <p:nvGrpSpPr>
-        <p:cNvPr id="1" name=""/>
-        <p:cNvGrpSpPr/>
-        <p:nvPr/>
-      </p:nvGrpSpPr>
-      <p:grpSpPr>
-        <a:xfrm>
-          <a:off x="0" y="0"/>
-          <a:ext cx="0" cy="0"/>
-          <a:chOff x="0" y="0"/>
-          <a:chExt cx="0" cy="0"/>
-        </a:xfrm>
-      </p:grpSpPr>
-      <p:sp>
-        <p:nvSpPr>
-          <p:cNvPr id="2" name="Заголовок 1"/>
-          <p:cNvSpPr>
-            <a:spLocks noGrp="1"/>
-          </p:cNvSpPr>
-          <p:nvPr>
-            <p:ph type="title"/>
-          </p:nvPr>
-        </p:nvSpPr>
-        <p:spPr/>
-        <p:txBody>
-          <a:bodyPr/>
-          <a:lstStyle/>
-          <a:p>
-            <a:r>
-              <a:rPr lang="ru-RU" sz="4800" b="1" dirty="0" smtClean="0"/>
-              <a:t>Критерии</a:t>
-            </a:r>
-            <a:endParaRPr lang="ru-RU" b="1" dirty="0"/>
-          </a:p>
-        </p:txBody>
-      </p:sp>
-      <p:sp>
-        <p:nvSpPr>
-          <p:cNvPr id="3" name="Объект 2"/>
-          <p:cNvSpPr>
-            <a:spLocks noGrp="1"/>
-          </p:cNvSpPr>
-          <p:nvPr>
-            <p:ph idx="1"/>
-          </p:nvPr>
-        </p:nvSpPr>
-        <p:spPr>
-          <a:xfrm>
-            <a:off x="838200" y="1896154"/>
-            <a:ext cx="10111007" cy="4351338"/>
-          </a:xfrm>
-        </p:spPr>
-        <p:txBody>
-          <a:bodyPr>
-            <a:normAutofit/>
-          </a:bodyPr>
-          <a:lstStyle/>
-          <a:p>
-            <a:r>
-              <a:rPr lang="ru-RU" sz="2400" dirty="0" smtClean="0"/>
-              <a:t>Понимание задачи: в узком или широком смысле</a:t>
-            </a:r>
-          </a:p>
-          <a:p>
-            <a:r>
-              <a:rPr lang="ru-RU" sz="2400" dirty="0" smtClean="0"/>
-              <a:t>Учет двух составляющих «простоты»:</a:t>
-            </a:r>
           </a:p>
           <a:p>
             <a:pPr lvl="1"/>
@@ -4141,13 +4265,123 @@
               <a:rPr lang="ru-RU" sz="2200" dirty="0" smtClean="0"/>
               <a:t>лексической </a:t>
             </a:r>
+            <a:r>
+              <a:rPr lang="en-US" sz="2200" dirty="0" smtClean="0"/>
+              <a:t>- </a:t>
+            </a:r>
+            <a:endParaRPr lang="ru-RU" sz="2200" dirty="0" smtClean="0"/>
+          </a:p>
+          <a:p>
+            <a:pPr lvl="2"/>
+            <a:r>
+              <a:rPr lang="ru-RU" dirty="0" smtClean="0"/>
+              <a:t>«</a:t>
+            </a:r>
+            <a:r>
+              <a:rPr lang="en-US" dirty="0" smtClean="0"/>
+              <a:t>c</a:t>
+            </a:r>
+            <a:r>
+              <a:rPr lang="ru-RU" dirty="0" smtClean="0"/>
+              <a:t>ложное» предложение: «Около </a:t>
+            </a:r>
+            <a:r>
+              <a:rPr lang="ru-RU" dirty="0"/>
+              <a:t>5 способов предварительно </a:t>
+            </a:r>
+            <a:r>
+              <a:rPr lang="ru-RU" dirty="0" smtClean="0"/>
+              <a:t>апробированы.»</a:t>
+            </a:r>
+            <a:r>
+              <a:rPr lang="en-US" dirty="0" smtClean="0"/>
+              <a:t>;</a:t>
+            </a:r>
+            <a:endParaRPr lang="ru-RU" dirty="0" smtClean="0"/>
+          </a:p>
+          <a:p>
+            <a:pPr lvl="2"/>
+            <a:r>
+              <a:rPr lang="ru-RU" dirty="0" smtClean="0"/>
+              <a:t>упрощенное предложение: «Около 5 способов заранее проверены.»</a:t>
+            </a:r>
+            <a:r>
+              <a:rPr lang="en-US" dirty="0" smtClean="0"/>
+              <a:t>;</a:t>
+            </a:r>
+            <a:endParaRPr lang="ru-RU" dirty="0" smtClean="0"/>
           </a:p>
           <a:p>
             <a:pPr lvl="1"/>
             <a:r>
               <a:rPr lang="ru-RU" sz="2200" dirty="0" smtClean="0"/>
-              <a:t>структурной</a:t>
-            </a:r>
+              <a:t>с</a:t>
+            </a:r>
+            <a:r>
+              <a:rPr lang="ru-RU" sz="2200" dirty="0" smtClean="0"/>
+              <a:t>труктурной</a:t>
+            </a:r>
+            <a:r>
+              <a:rPr lang="en-US" sz="2200" dirty="0" smtClean="0"/>
+              <a:t> - </a:t>
+            </a:r>
+            <a:endParaRPr lang="ru-RU" sz="2200" dirty="0" smtClean="0"/>
+          </a:p>
+          <a:p>
+            <a:pPr lvl="2"/>
+            <a:r>
+              <a:rPr lang="ru-RU" dirty="0" smtClean="0"/>
+              <a:t>«</a:t>
+            </a:r>
+            <a:r>
+              <a:rPr lang="ru-RU" dirty="0"/>
+              <a:t>с</a:t>
+            </a:r>
+            <a:r>
+              <a:rPr lang="ru-RU" dirty="0" smtClean="0"/>
+              <a:t>ложное</a:t>
+            </a:r>
+            <a:r>
+              <a:rPr lang="ru-RU" dirty="0"/>
+              <a:t>» предложение: </a:t>
+            </a:r>
+            <a:r>
+              <a:rPr lang="ru-RU" dirty="0" smtClean="0"/>
+              <a:t>«Листок, сорванный Петей, упал на землю.»</a:t>
+            </a:r>
+            <a:r>
+              <a:rPr lang="en-US" dirty="0" smtClean="0"/>
+              <a:t>;</a:t>
+            </a:r>
+            <a:endParaRPr lang="ru-RU" dirty="0"/>
+          </a:p>
+          <a:p>
+            <a:pPr lvl="2"/>
+            <a:r>
+              <a:rPr lang="ru-RU" dirty="0"/>
+              <a:t>у</a:t>
+            </a:r>
+            <a:r>
+              <a:rPr lang="ru-RU" dirty="0" smtClean="0"/>
+              <a:t>прощенное </a:t>
+            </a:r>
+            <a:r>
+              <a:rPr lang="ru-RU" dirty="0"/>
+              <a:t>предложение: </a:t>
+            </a:r>
+            <a:r>
+              <a:rPr lang="ru-RU" dirty="0" smtClean="0"/>
+              <a:t>«Петя сорвал листок. Листок упал </a:t>
+            </a:r>
+            <a:r>
+              <a:rPr lang="ru-RU" dirty="0"/>
+              <a:t>на землю</a:t>
+            </a:r>
+            <a:r>
+              <a:rPr lang="ru-RU" dirty="0" smtClean="0"/>
+              <a:t>.».</a:t>
+            </a:r>
+            <a:endParaRPr lang="ru-RU" dirty="0"/>
           </a:p>
         </p:txBody>
       </p:sp>
@@ -4214,10 +4448,592 @@
           </a:p>
         </p:txBody>
       </p:sp>
+      <p:sp>
+        <p:nvSpPr>
+          <p:cNvPr id="5" name="Номер слайда 4"/>
+          <p:cNvSpPr>
+            <a:spLocks noGrp="1"/>
+          </p:cNvSpPr>
+          <p:nvPr>
+            <p:ph type="sldNum" sz="quarter" idx="12"/>
+          </p:nvPr>
+        </p:nvSpPr>
+        <p:spPr/>
+        <p:txBody>
+          <a:bodyPr/>
+          <a:lstStyle/>
+          <a:p>
+            <a:fld id="{C3D39DBA-7BC8-4DF7-BDDF-033362F667C7}" type="slidenum">
+              <a:rPr lang="ru-RU" sz="1600" smtClean="0"/>
+              <a:t>4</a:t>
+            </a:fld>
+            <a:endParaRPr lang="ru-RU" sz="1600" dirty="0"/>
+          </a:p>
+        </p:txBody>
+      </p:sp>
     </p:spTree>
     <p:extLst>
       <p:ext uri="{BB962C8B-B14F-4D97-AF65-F5344CB8AC3E}">
         <p14:creationId xmlns:p14="http://schemas.microsoft.com/office/powerpoint/2010/main" val="542418754"/>
+      </p:ext>
+    </p:extLst>
+  </p:cSld>
+  <p:clrMapOvr>
+    <a:masterClrMapping/>
+  </p:clrMapOvr>
+  <p:timing>
+    <p:tnLst>
+      <p:par>
+        <p:cTn id="1" dur="indefinite" restart="never" nodeType="tmRoot"/>
+      </p:par>
+    </p:tnLst>
+  </p:timing>
+</p:sld>
+</file>
+
+<file path=ppt/slides/slide5.xml><?xml version="1.0" encoding="utf-8"?>
+<p:sld xmlns:a="http://schemas.openxmlformats.org/drawingml/2006/main" xmlns:r="http://schemas.openxmlformats.org/officeDocument/2006/relationships" xmlns:p="http://schemas.openxmlformats.org/presentationml/2006/main">
+  <p:cSld>
+    <p:spTree>
+      <p:nvGrpSpPr>
+        <p:cNvPr id="1" name=""/>
+        <p:cNvGrpSpPr/>
+        <p:nvPr/>
+      </p:nvGrpSpPr>
+      <p:grpSpPr>
+        <a:xfrm>
+          <a:off x="0" y="0"/>
+          <a:ext cx="0" cy="0"/>
+          <a:chOff x="0" y="0"/>
+          <a:chExt cx="0" cy="0"/>
+        </a:xfrm>
+      </p:grpSpPr>
+      <p:sp>
+        <p:nvSpPr>
+          <p:cNvPr id="2" name="Заголовок 1"/>
+          <p:cNvSpPr>
+            <a:spLocks noGrp="1"/>
+          </p:cNvSpPr>
+          <p:nvPr>
+            <p:ph type="title"/>
+          </p:nvPr>
+        </p:nvSpPr>
+        <p:spPr/>
+        <p:txBody>
+          <a:bodyPr>
+            <a:normAutofit/>
+          </a:bodyPr>
+          <a:lstStyle/>
+          <a:p>
+            <a:r>
+              <a:rPr lang="ru-RU" sz="4800" b="1" dirty="0" smtClean="0"/>
+              <a:t>Метрики</a:t>
+            </a:r>
+            <a:endParaRPr lang="ru-RU" sz="4800" b="1" dirty="0"/>
+          </a:p>
+        </p:txBody>
+      </p:sp>
+      <p:sp>
+        <p:nvSpPr>
+          <p:cNvPr id="4" name="Номер слайда 3"/>
+          <p:cNvSpPr>
+            <a:spLocks noGrp="1"/>
+          </p:cNvSpPr>
+          <p:nvPr>
+            <p:ph type="sldNum" sz="quarter" idx="12"/>
+          </p:nvPr>
+        </p:nvSpPr>
+        <p:spPr/>
+        <p:txBody>
+          <a:bodyPr/>
+          <a:lstStyle/>
+          <a:p>
+            <a:fld id="{C3D39DBA-7BC8-4DF7-BDDF-033362F667C7}" type="slidenum">
+              <a:rPr lang="ru-RU" sz="1600" smtClean="0"/>
+              <a:t>5</a:t>
+            </a:fld>
+            <a:endParaRPr lang="ru-RU" sz="1600" dirty="0"/>
+          </a:p>
+        </p:txBody>
+      </p:sp>
+      <p:graphicFrame>
+        <p:nvGraphicFramePr>
+          <p:cNvPr id="6" name="Таблица 5"/>
+          <p:cNvGraphicFramePr>
+            <a:graphicFrameLocks noGrp="1"/>
+          </p:cNvGraphicFramePr>
+          <p:nvPr>
+            <p:extLst>
+              <p:ext uri="{D42A27DB-BD31-4B8C-83A1-F6EECF244321}">
+                <p14:modId xmlns:p14="http://schemas.microsoft.com/office/powerpoint/2010/main" val="4053548464"/>
+              </p:ext>
+            </p:extLst>
+          </p:nvPr>
+        </p:nvGraphicFramePr>
+        <p:xfrm>
+          <a:off x="415159" y="1543542"/>
+          <a:ext cx="11361681" cy="4727059"/>
+        </p:xfrm>
+        <a:graphic>
+          <a:graphicData uri="http://schemas.openxmlformats.org/drawingml/2006/table">
+            <a:tbl>
+              <a:tblPr firstRow="1" bandRow="1">
+                <a:tableStyleId>{8799B23B-EC83-4686-B30A-512413B5E67A}</a:tableStyleId>
+              </a:tblPr>
+              <a:tblGrid>
+                <a:gridCol w="1613338"/>
+                <a:gridCol w="4908331"/>
+                <a:gridCol w="4840012"/>
+              </a:tblGrid>
+              <a:tr h="625244">
+                <a:tc>
+                  <a:txBody>
+                    <a:bodyPr/>
+                    <a:lstStyle/>
+                    <a:p>
+                      <a:r>
+                        <a:rPr lang="ru-RU" sz="1800" dirty="0" smtClean="0"/>
+                        <a:t>Название метрики</a:t>
+                      </a:r>
+                      <a:endParaRPr lang="ru-RU" sz="1800" dirty="0"/>
+                    </a:p>
+                  </a:txBody>
+                  <a:tcPr/>
+                </a:tc>
+                <a:tc>
+                  <a:txBody>
+                    <a:bodyPr/>
+                    <a:lstStyle/>
+                    <a:p>
+                      <a:r>
+                        <a:rPr lang="ru-RU" sz="1800" dirty="0" smtClean="0"/>
+                        <a:t>Достоинства</a:t>
+                      </a:r>
+                      <a:endParaRPr lang="ru-RU" sz="1800" dirty="0"/>
+                    </a:p>
+                  </a:txBody>
+                  <a:tcPr/>
+                </a:tc>
+                <a:tc>
+                  <a:txBody>
+                    <a:bodyPr/>
+                    <a:lstStyle/>
+                    <a:p>
+                      <a:r>
+                        <a:rPr lang="ru-RU" sz="1800" dirty="0" smtClean="0"/>
+                        <a:t>Недостатки</a:t>
+                      </a:r>
+                      <a:endParaRPr lang="ru-RU" sz="1800" dirty="0"/>
+                    </a:p>
+                  </a:txBody>
+                  <a:tcPr/>
+                </a:tc>
+              </a:tr>
+              <a:tr h="1165228">
+                <a:tc>
+                  <a:txBody>
+                    <a:bodyPr/>
+                    <a:lstStyle/>
+                    <a:p>
+                      <a:r>
+                        <a:rPr lang="ru-RU" sz="1800" dirty="0" smtClean="0"/>
+                        <a:t>Индексы </a:t>
+                      </a:r>
+                      <a:r>
+                        <a:rPr lang="ru-RU" sz="1800" dirty="0" err="1" smtClean="0"/>
+                        <a:t>удобо</a:t>
+                      </a:r>
+                      <a:r>
+                        <a:rPr lang="en-US" sz="1800" dirty="0" smtClean="0"/>
+                        <a:t>-</a:t>
+                      </a:r>
+                      <a:r>
+                        <a:rPr lang="ru-RU" sz="1800" dirty="0" smtClean="0"/>
+                        <a:t>читаемости</a:t>
+                      </a:r>
+                      <a:endParaRPr lang="ru-RU" sz="1800" dirty="0"/>
+                    </a:p>
+                  </a:txBody>
+                  <a:tcPr/>
+                </a:tc>
+                <a:tc>
+                  <a:txBody>
+                    <a:bodyPr/>
+                    <a:lstStyle/>
+                    <a:p>
+                      <a:pPr marL="285750" indent="-285750">
+                        <a:buFont typeface="Arial" panose="020B0604020202020204" pitchFamily="34" charset="0"/>
+                        <a:buChar char="•"/>
+                      </a:pPr>
+                      <a:r>
+                        <a:rPr lang="ru-RU" sz="1800" dirty="0" smtClean="0"/>
+                        <a:t>простоты</a:t>
+                      </a:r>
+                      <a:r>
+                        <a:rPr lang="ru-RU" sz="1800" baseline="0" dirty="0" smtClean="0"/>
+                        <a:t> в вычислении</a:t>
+                      </a:r>
+                      <a:r>
+                        <a:rPr lang="en-US" sz="1800" baseline="0" dirty="0" smtClean="0"/>
+                        <a:t>;</a:t>
+                      </a:r>
+                      <a:endParaRPr lang="ru-RU" sz="1800" dirty="0"/>
+                    </a:p>
+                  </a:txBody>
+                  <a:tcPr/>
+                </a:tc>
+                <a:tc>
+                  <a:txBody>
+                    <a:bodyPr/>
+                    <a:lstStyle/>
+                    <a:p>
+                      <a:pPr marL="285750" indent="-285750">
+                        <a:buFont typeface="Arial" panose="020B0604020202020204" pitchFamily="34" charset="0"/>
+                        <a:buChar char="•"/>
+                      </a:pPr>
+                      <a:r>
+                        <a:rPr lang="ru-RU" sz="1800" dirty="0" smtClean="0"/>
+                        <a:t>не распознают грамматически неправильные результаты</a:t>
+                      </a:r>
+                      <a:r>
+                        <a:rPr lang="en-US" sz="1800" dirty="0" smtClean="0"/>
+                        <a:t>;</a:t>
+                      </a:r>
+                      <a:endParaRPr lang="ru-RU" sz="1800" dirty="0" smtClean="0"/>
+                    </a:p>
+                    <a:p>
+                      <a:pPr marL="285750" indent="-285750">
+                        <a:buFont typeface="Arial" panose="020B0604020202020204" pitchFamily="34" charset="0"/>
+                        <a:buChar char="•"/>
+                      </a:pPr>
+                      <a:r>
+                        <a:rPr lang="ru-RU" sz="1800" dirty="0" smtClean="0"/>
+                        <a:t>не следят за</a:t>
+                      </a:r>
+                      <a:r>
+                        <a:rPr lang="ru-RU" sz="1800" baseline="0" dirty="0" smtClean="0"/>
+                        <a:t> сохранением смысла исходного предложения</a:t>
+                      </a:r>
+                      <a:r>
+                        <a:rPr lang="en-US" sz="1800" baseline="0" dirty="0" smtClean="0"/>
+                        <a:t>.</a:t>
+                      </a:r>
+                      <a:endParaRPr lang="ru-RU" sz="1800" dirty="0"/>
+                    </a:p>
+                  </a:txBody>
+                  <a:tcPr/>
+                </a:tc>
+              </a:tr>
+              <a:tr h="1435219">
+                <a:tc>
+                  <a:txBody>
+                    <a:bodyPr/>
+                    <a:lstStyle/>
+                    <a:p>
+                      <a:r>
+                        <a:rPr lang="en-US" sz="1800" dirty="0" smtClean="0"/>
+                        <a:t>SARI</a:t>
+                      </a:r>
+                      <a:endParaRPr lang="ru-RU" sz="1800" dirty="0"/>
+                    </a:p>
+                  </a:txBody>
+                  <a:tcPr/>
+                </a:tc>
+                <a:tc>
+                  <a:txBody>
+                    <a:bodyPr/>
+                    <a:lstStyle/>
+                    <a:p>
+                      <a:pPr marL="285750" indent="-285750">
+                        <a:buFont typeface="Arial" panose="020B0604020202020204" pitchFamily="34" charset="0"/>
+                        <a:buChar char="•"/>
+                      </a:pPr>
+                      <a:r>
+                        <a:rPr lang="ru-RU" sz="1800" dirty="0" smtClean="0"/>
+                        <a:t>высоко</a:t>
+                      </a:r>
+                      <a:r>
+                        <a:rPr lang="ru-RU" sz="1800" baseline="0" dirty="0" smtClean="0"/>
+                        <a:t> </a:t>
+                      </a:r>
+                      <a:r>
+                        <a:rPr lang="ru-RU" sz="1800" dirty="0" smtClean="0"/>
+                        <a:t>коррелирует с оценками качества упрощения человеком</a:t>
+                      </a:r>
+                      <a:r>
+                        <a:rPr lang="en-US" sz="1800" dirty="0" smtClean="0"/>
+                        <a:t>;</a:t>
+                      </a:r>
+                      <a:endParaRPr lang="ru-RU" sz="1800" dirty="0" smtClean="0"/>
+                    </a:p>
+                    <a:p>
+                      <a:pPr marL="285750" indent="-285750">
+                        <a:buFont typeface="Arial" panose="020B0604020202020204" pitchFamily="34" charset="0"/>
+                        <a:buChar char="•"/>
+                      </a:pPr>
+                      <a:r>
+                        <a:rPr lang="ru-RU" sz="1800" dirty="0" smtClean="0"/>
+                        <a:t>напрямую оценивает</a:t>
+                      </a:r>
+                      <a:r>
+                        <a:rPr lang="ru-RU" sz="1800" baseline="0" dirty="0" smtClean="0"/>
+                        <a:t> корректность  выбора слов для </a:t>
+                      </a:r>
+                      <a:r>
+                        <a:rPr lang="ru-RU" sz="1800" dirty="0" smtClean="0"/>
+                        <a:t>добавления, удаления и сохранения</a:t>
+                      </a:r>
+                      <a:r>
+                        <a:rPr lang="en-US" sz="1800" dirty="0" smtClean="0"/>
+                        <a:t>;</a:t>
+                      </a:r>
+                      <a:endParaRPr lang="ru-RU" sz="1800" dirty="0"/>
+                    </a:p>
+                  </a:txBody>
+                  <a:tcPr/>
+                </a:tc>
+                <a:tc>
+                  <a:txBody>
+                    <a:bodyPr/>
+                    <a:lstStyle/>
+                    <a:p>
+                      <a:pPr marL="285750" indent="-285750">
+                        <a:buFont typeface="Arial" panose="020B0604020202020204" pitchFamily="34" charset="0"/>
+                        <a:buChar char="•"/>
+                      </a:pPr>
+                      <a:r>
+                        <a:rPr lang="ru-RU" sz="1800" dirty="0" smtClean="0"/>
+                        <a:t>слабо способна оценивать</a:t>
+                      </a:r>
+                      <a:r>
+                        <a:rPr lang="ru-RU" sz="1800" baseline="0" dirty="0" smtClean="0"/>
+                        <a:t> </a:t>
+                      </a:r>
+                      <a:r>
+                        <a:rPr lang="ru-RU" sz="1800" dirty="0" smtClean="0"/>
+                        <a:t>структурную сложность</a:t>
+                      </a:r>
+                      <a:r>
+                        <a:rPr lang="en-US" sz="1800" dirty="0" smtClean="0"/>
+                        <a:t>;</a:t>
+                      </a:r>
+                      <a:endParaRPr lang="ru-RU" sz="1800" dirty="0" smtClean="0"/>
+                    </a:p>
+                    <a:p>
+                      <a:pPr marL="285750" marR="0" indent="-285750" algn="l" defTabSz="914400" rtl="0" eaLnBrk="1" fontAlgn="auto" latinLnBrk="0" hangingPunct="1">
+                        <a:lnSpc>
+                          <a:spcPct val="100000"/>
+                        </a:lnSpc>
+                        <a:spcBef>
+                          <a:spcPts val="0"/>
+                        </a:spcBef>
+                        <a:spcAft>
+                          <a:spcPts val="0"/>
+                        </a:spcAft>
+                        <a:buClrTx/>
+                        <a:buSzTx/>
+                        <a:buFont typeface="Arial" panose="020B0604020202020204" pitchFamily="34" charset="0"/>
+                        <a:buChar char="•"/>
+                        <a:tabLst/>
+                        <a:defRPr/>
+                      </a:pPr>
+                      <a:r>
+                        <a:rPr lang="ru-RU" sz="1800" dirty="0" smtClean="0"/>
+                        <a:t>требует нескольких «справочных» примеров упрощения</a:t>
+                      </a:r>
+                      <a:r>
+                        <a:rPr lang="en-US" sz="1800" dirty="0" smtClean="0"/>
+                        <a:t>.</a:t>
+                      </a:r>
+                      <a:endParaRPr lang="ru-RU" sz="1800" dirty="0" smtClean="0"/>
+                    </a:p>
+                    <a:p>
+                      <a:pPr marL="285750" indent="-285750">
+                        <a:buFont typeface="Arial" panose="020B0604020202020204" pitchFamily="34" charset="0"/>
+                        <a:buChar char="•"/>
+                      </a:pPr>
+                      <a:endParaRPr lang="ru-RU" sz="1800" dirty="0"/>
+                    </a:p>
+                  </a:txBody>
+                  <a:tcPr/>
+                </a:tc>
+              </a:tr>
+              <a:tr h="1435219">
+                <a:tc>
+                  <a:txBody>
+                    <a:bodyPr/>
+                    <a:lstStyle/>
+                    <a:p>
+                      <a:r>
+                        <a:rPr lang="en-US" sz="1800" dirty="0" smtClean="0"/>
+                        <a:t>SAMSA</a:t>
+                      </a:r>
+                      <a:endParaRPr lang="ru-RU" sz="1800" dirty="0"/>
+                    </a:p>
+                  </a:txBody>
+                  <a:tcPr/>
+                </a:tc>
+                <a:tc>
+                  <a:txBody>
+                    <a:bodyPr/>
+                    <a:lstStyle/>
+                    <a:p>
+                      <a:pPr marL="285750" marR="0" indent="-285750" algn="l" defTabSz="914400" rtl="0" eaLnBrk="1" fontAlgn="auto" latinLnBrk="0" hangingPunct="1">
+                        <a:lnSpc>
+                          <a:spcPct val="100000"/>
+                        </a:lnSpc>
+                        <a:spcBef>
+                          <a:spcPts val="0"/>
+                        </a:spcBef>
+                        <a:spcAft>
+                          <a:spcPts val="0"/>
+                        </a:spcAft>
+                        <a:buClrTx/>
+                        <a:buSzTx/>
+                        <a:buFont typeface="Arial" panose="020B0604020202020204" pitchFamily="34" charset="0"/>
+                        <a:buChar char="•"/>
+                        <a:tabLst/>
+                        <a:defRPr/>
+                      </a:pPr>
+                      <a:r>
+                        <a:rPr lang="ru-RU" sz="1800" dirty="0" smtClean="0"/>
+                        <a:t>высоко</a:t>
+                      </a:r>
+                      <a:r>
+                        <a:rPr lang="ru-RU" sz="1800" baseline="0" dirty="0" smtClean="0"/>
+                        <a:t> </a:t>
+                      </a:r>
+                      <a:r>
+                        <a:rPr lang="ru-RU" sz="1800" dirty="0" smtClean="0"/>
+                        <a:t>коррелирует с оценками качества упрощения человеком</a:t>
+                      </a:r>
+                      <a:r>
+                        <a:rPr lang="en-US" sz="1800" dirty="0" smtClean="0"/>
+                        <a:t>;</a:t>
+                      </a:r>
+                      <a:endParaRPr lang="ru-RU" sz="1800" dirty="0" smtClean="0"/>
+                    </a:p>
+                    <a:p>
+                      <a:pPr marL="285750" marR="0" indent="-285750" algn="l" defTabSz="914400" rtl="0" eaLnBrk="1" fontAlgn="auto" latinLnBrk="0" hangingPunct="1">
+                        <a:lnSpc>
+                          <a:spcPct val="100000"/>
+                        </a:lnSpc>
+                        <a:spcBef>
+                          <a:spcPts val="0"/>
+                        </a:spcBef>
+                        <a:spcAft>
+                          <a:spcPts val="0"/>
+                        </a:spcAft>
+                        <a:buClrTx/>
+                        <a:buSzTx/>
+                        <a:buFont typeface="Arial" panose="020B0604020202020204" pitchFamily="34" charset="0"/>
+                        <a:buChar char="•"/>
+                        <a:tabLst/>
+                        <a:defRPr/>
+                      </a:pPr>
+                      <a:r>
+                        <a:rPr lang="ru-RU" sz="1800" dirty="0" smtClean="0"/>
+                        <a:t>способна оценивать</a:t>
+                      </a:r>
+                      <a:r>
+                        <a:rPr lang="ru-RU" sz="1800" baseline="0" dirty="0" smtClean="0"/>
+                        <a:t> </a:t>
+                      </a:r>
+                      <a:r>
+                        <a:rPr lang="ru-RU" sz="1800" dirty="0" smtClean="0"/>
+                        <a:t>структурную сложность</a:t>
+                      </a:r>
+                      <a:r>
+                        <a:rPr lang="en-US" sz="1800" dirty="0" smtClean="0"/>
+                        <a:t>;</a:t>
+                      </a:r>
+                      <a:endParaRPr lang="ru-RU" sz="1800" dirty="0" smtClean="0"/>
+                    </a:p>
+                    <a:p>
+                      <a:endParaRPr lang="ru-RU" sz="1800" dirty="0"/>
+                    </a:p>
+                  </a:txBody>
+                  <a:tcPr/>
+                </a:tc>
+                <a:tc>
+                  <a:txBody>
+                    <a:bodyPr/>
+                    <a:lstStyle/>
+                    <a:p>
+                      <a:pPr marL="285750" marR="0" indent="-285750" algn="l" defTabSz="914400" rtl="0" eaLnBrk="1" fontAlgn="auto" latinLnBrk="0" hangingPunct="1">
+                        <a:lnSpc>
+                          <a:spcPct val="100000"/>
+                        </a:lnSpc>
+                        <a:spcBef>
+                          <a:spcPts val="0"/>
+                        </a:spcBef>
+                        <a:spcAft>
+                          <a:spcPts val="0"/>
+                        </a:spcAft>
+                        <a:buClrTx/>
+                        <a:buSzTx/>
+                        <a:buFont typeface="Arial" panose="020B0604020202020204" pitchFamily="34" charset="0"/>
+                        <a:buChar char="•"/>
+                        <a:tabLst/>
+                        <a:defRPr/>
+                      </a:pPr>
+                      <a:r>
+                        <a:rPr lang="ru-RU" sz="1800" dirty="0" smtClean="0"/>
+                        <a:t>требует нескольких «справочных» примеров упрощения</a:t>
+                      </a:r>
+                      <a:r>
+                        <a:rPr lang="en-US" sz="1800" dirty="0" smtClean="0"/>
+                        <a:t>;</a:t>
+                      </a:r>
+                      <a:endParaRPr lang="ru-RU" sz="1800" dirty="0" smtClean="0"/>
+                    </a:p>
+                    <a:p>
+                      <a:pPr marL="285750" marR="0" indent="-285750" algn="l" defTabSz="914400" rtl="0" eaLnBrk="1" fontAlgn="auto" latinLnBrk="0" hangingPunct="1">
+                        <a:lnSpc>
+                          <a:spcPct val="100000"/>
+                        </a:lnSpc>
+                        <a:spcBef>
+                          <a:spcPts val="0"/>
+                        </a:spcBef>
+                        <a:spcAft>
+                          <a:spcPts val="0"/>
+                        </a:spcAft>
+                        <a:buClrTx/>
+                        <a:buSzTx/>
+                        <a:buFont typeface="Arial" panose="020B0604020202020204" pitchFamily="34" charset="0"/>
+                        <a:buChar char="•"/>
+                        <a:tabLst/>
+                        <a:defRPr/>
+                      </a:pPr>
+                      <a:r>
+                        <a:rPr lang="ru-RU" sz="1800" dirty="0" smtClean="0"/>
+                        <a:t>мало</a:t>
+                      </a:r>
+                      <a:r>
+                        <a:rPr lang="ru-RU" sz="1800" baseline="0" dirty="0" smtClean="0"/>
+                        <a:t> изучена</a:t>
+                      </a:r>
+                      <a:r>
+                        <a:rPr lang="en-US" sz="1800" baseline="0" dirty="0" smtClean="0"/>
+                        <a:t>.</a:t>
+                      </a:r>
+                      <a:endParaRPr lang="ru-RU" sz="1800" dirty="0" smtClean="0"/>
+                    </a:p>
+                    <a:p>
+                      <a:endParaRPr lang="ru-RU" sz="1800" dirty="0"/>
+                    </a:p>
+                  </a:txBody>
+                  <a:tcPr/>
+                </a:tc>
+              </a:tr>
+            </a:tbl>
+          </a:graphicData>
+        </a:graphic>
+      </p:graphicFrame>
+    </p:spTree>
+    <p:extLst>
+      <p:ext uri="{BB962C8B-B14F-4D97-AF65-F5344CB8AC3E}">
+        <p14:creationId xmlns:p14="http://schemas.microsoft.com/office/powerpoint/2010/main" val="3919321332"/>
       </p:ext>
     </p:extLst>
   </p:cSld>
@@ -4266,31 +5082,568 @@
           <a:bodyPr/>
           <a:lstStyle/>
           <a:p>
-            <a:r>
-              <a:rPr lang="ru-RU" sz="4800" b="1" dirty="0" smtClean="0"/>
-              <a:t>Классификация</a:t>
-            </a:r>
-            <a:r>
-              <a:rPr lang="ru-RU" b="1" dirty="0" smtClean="0"/>
-              <a:t> </a:t>
-            </a:r>
-            <a:r>
-              <a:rPr lang="ru-RU" sz="4800" b="1" dirty="0" smtClean="0"/>
-              <a:t>решений</a:t>
+            <a:pPr algn="ctr"/>
+            <a:r>
+              <a:rPr lang="ru-RU" dirty="0" smtClean="0"/>
+              <a:t>Подходы к решению задачи</a:t>
             </a:r>
             <a:endParaRPr lang="ru-RU" dirty="0"/>
+          </a:p>
+        </p:txBody>
+      </p:sp>
+      <p:sp>
+        <p:nvSpPr>
+          <p:cNvPr id="4" name="Номер слайда 3"/>
+          <p:cNvSpPr>
+            <a:spLocks noGrp="1"/>
+          </p:cNvSpPr>
+          <p:nvPr>
+            <p:ph type="sldNum" sz="quarter" idx="12"/>
+          </p:nvPr>
+        </p:nvSpPr>
+        <p:spPr/>
+        <p:txBody>
+          <a:bodyPr/>
+          <a:lstStyle/>
+          <a:p>
+            <a:fld id="{C3D39DBA-7BC8-4DF7-BDDF-033362F667C7}" type="slidenum">
+              <a:rPr lang="ru-RU" sz="1600" smtClean="0"/>
+              <a:t>6</a:t>
+            </a:fld>
+            <a:endParaRPr lang="ru-RU" sz="1600" dirty="0"/>
+          </a:p>
+        </p:txBody>
+      </p:sp>
+      <p:graphicFrame>
+        <p:nvGraphicFramePr>
+          <p:cNvPr id="7" name="Объект 6"/>
+          <p:cNvGraphicFramePr>
+            <a:graphicFrameLocks noGrp="1"/>
+          </p:cNvGraphicFramePr>
+          <p:nvPr>
+            <p:ph idx="1"/>
+            <p:extLst>
+              <p:ext uri="{D42A27DB-BD31-4B8C-83A1-F6EECF244321}">
+                <p14:modId xmlns:p14="http://schemas.microsoft.com/office/powerpoint/2010/main" val="2251909774"/>
+              </p:ext>
+            </p:extLst>
+          </p:nvPr>
+        </p:nvGraphicFramePr>
+        <p:xfrm>
+          <a:off x="273269" y="1825625"/>
+          <a:ext cx="11666483" cy="4586760"/>
+        </p:xfrm>
+        <a:graphic>
+          <a:graphicData uri="http://schemas.openxmlformats.org/drawingml/2006/table">
+            <a:tbl>
+              <a:tblPr firstRow="1" bandRow="1">
+                <a:tableStyleId>{2D5ABB26-0587-4C30-8999-92F81FD0307C}</a:tableStyleId>
+              </a:tblPr>
+              <a:tblGrid>
+                <a:gridCol w="4060823"/>
+                <a:gridCol w="3716833"/>
+                <a:gridCol w="3888827"/>
+              </a:tblGrid>
+              <a:tr h="412301">
+                <a:tc>
+                  <a:txBody>
+                    <a:bodyPr/>
+                    <a:lstStyle/>
+                    <a:p>
+                      <a:pPr algn="ctr"/>
+                      <a:r>
+                        <a:rPr lang="ru-RU" sz="2200" b="1" u="sng" dirty="0" smtClean="0"/>
+                        <a:t>Экстрактивный</a:t>
+                      </a:r>
+                      <a:r>
+                        <a:rPr lang="ru-RU" sz="2200" u="sng" dirty="0" smtClean="0"/>
+                        <a:t> </a:t>
+                      </a:r>
+                      <a:endParaRPr lang="ru-RU" sz="2200" u="sng" dirty="0"/>
+                    </a:p>
+                  </a:txBody>
+                  <a:tcPr/>
+                </a:tc>
+                <a:tc gridSpan="2">
+                  <a:txBody>
+                    <a:bodyPr/>
+                    <a:lstStyle/>
+                    <a:p>
+                      <a:pPr algn="ctr"/>
+                      <a:r>
+                        <a:rPr lang="ru-RU" sz="2200" b="1" u="sng" dirty="0" smtClean="0"/>
+                        <a:t>Абстрактный</a:t>
+                      </a:r>
+                      <a:endParaRPr lang="ru-RU" sz="2200" b="1" u="sng" dirty="0"/>
+                    </a:p>
+                  </a:txBody>
+                  <a:tcPr/>
+                </a:tc>
+                <a:tc hMerge="1">
+                  <a:txBody>
+                    <a:bodyPr/>
+                    <a:lstStyle/>
+                    <a:p>
+                      <a:endParaRPr lang="ru-RU" dirty="0"/>
+                    </a:p>
+                  </a:txBody>
+                  <a:tcPr/>
+                </a:tc>
+              </a:tr>
+              <a:tr h="1401823">
+                <a:tc>
+                  <a:txBody>
+                    <a:bodyPr/>
+                    <a:lstStyle/>
+                    <a:p>
+                      <a:pPr marL="0" indent="0" algn="ctr">
+                        <a:buFont typeface="Arial" panose="020B0604020202020204" pitchFamily="34" charset="0"/>
+                        <a:buNone/>
+                      </a:pPr>
+                      <a:r>
+                        <a:rPr lang="ru-RU" sz="2200" dirty="0" smtClean="0"/>
+                        <a:t>Выделение в документе тех предложений, которые передают больше информации. </a:t>
+                      </a:r>
+                    </a:p>
+                  </a:txBody>
+                  <a:tcPr/>
+                </a:tc>
+                <a:tc gridSpan="2">
+                  <a:txBody>
+                    <a:bodyPr/>
+                    <a:lstStyle/>
+                    <a:p>
+                      <a:pPr algn="ctr"/>
+                      <a:r>
+                        <a:rPr lang="ru-RU" sz="2200" dirty="0" smtClean="0"/>
+                        <a:t>Переписывание передаваемого текста предложение за предложением.</a:t>
+                      </a:r>
+                      <a:endParaRPr lang="ru-RU" sz="2200" dirty="0"/>
+                    </a:p>
+                  </a:txBody>
+                  <a:tcPr/>
+                </a:tc>
+                <a:tc hMerge="1">
+                  <a:txBody>
+                    <a:bodyPr/>
+                    <a:lstStyle/>
+                    <a:p>
+                      <a:endParaRPr lang="ru-RU" dirty="0"/>
+                    </a:p>
+                  </a:txBody>
+                  <a:tcPr/>
+                </a:tc>
+              </a:tr>
+              <a:tr h="655097">
+                <a:tc>
+                  <a:txBody>
+                    <a:bodyPr/>
+                    <a:lstStyle/>
+                    <a:p>
+                      <a:pPr algn="ctr"/>
+                      <a:endParaRPr lang="ru-RU" sz="2200"/>
+                    </a:p>
+                  </a:txBody>
+                  <a:tcPr/>
+                </a:tc>
+                <a:tc>
+                  <a:txBody>
+                    <a:bodyPr/>
+                    <a:lstStyle/>
+                    <a:p>
+                      <a:pPr algn="ctr"/>
+                      <a:r>
+                        <a:rPr lang="ru-RU" sz="2200" b="0" u="sng" dirty="0" smtClean="0"/>
+                        <a:t>Текстовые замены</a:t>
+                      </a:r>
+                      <a:endParaRPr lang="ru-RU" sz="2200" b="0" u="sng" dirty="0"/>
+                    </a:p>
+                  </a:txBody>
+                  <a:tcPr/>
+                </a:tc>
+                <a:tc>
+                  <a:txBody>
+                    <a:bodyPr/>
+                    <a:lstStyle/>
+                    <a:p>
+                      <a:pPr algn="ctr"/>
+                      <a:r>
+                        <a:rPr lang="ru-RU" sz="2200" u="sng" dirty="0" smtClean="0"/>
+                        <a:t>Генерация нового текста</a:t>
+                      </a:r>
+                      <a:endParaRPr lang="ru-RU" sz="2200" u="sng" dirty="0"/>
+                    </a:p>
+                  </a:txBody>
+                  <a:tcPr/>
+                </a:tc>
+              </a:tr>
+              <a:tr h="2061504">
+                <a:tc>
+                  <a:txBody>
+                    <a:bodyPr/>
+                    <a:lstStyle/>
+                    <a:p>
+                      <a:pPr algn="ctr"/>
+                      <a:endParaRPr lang="ru-RU" sz="2200" dirty="0"/>
+                    </a:p>
+                  </a:txBody>
+                  <a:tcPr/>
+                </a:tc>
+                <a:tc>
+                  <a:txBody>
+                    <a:bodyPr/>
+                    <a:lstStyle/>
+                    <a:p>
+                      <a:pPr algn="ctr"/>
+                      <a:r>
+                        <a:rPr lang="ru-RU" sz="2200" dirty="0" smtClean="0"/>
+                        <a:t>Фокусировка на сокращении лексического содержания текста.</a:t>
+                      </a:r>
+                      <a:endParaRPr lang="ru-RU" sz="2200" dirty="0"/>
+                    </a:p>
+                  </a:txBody>
+                  <a:tcPr/>
+                </a:tc>
+                <a:tc>
+                  <a:txBody>
+                    <a:bodyPr/>
+                    <a:lstStyle/>
+                    <a:p>
+                      <a:pPr algn="ctr"/>
+                      <a:r>
+                        <a:rPr lang="ru-RU" sz="2200" dirty="0" smtClean="0"/>
+                        <a:t>Разбиение сложных предложений на более простые, удаление редко употребляемых слов и генерация на этой основе нового текста.</a:t>
+                      </a:r>
+                      <a:endParaRPr lang="ru-RU" sz="2200" dirty="0"/>
+                    </a:p>
+                  </a:txBody>
+                  <a:tcPr/>
+                </a:tc>
+              </a:tr>
+            </a:tbl>
+          </a:graphicData>
+        </a:graphic>
+      </p:graphicFrame>
+      <p:cxnSp>
+        <p:nvCxnSpPr>
+          <p:cNvPr id="9" name="Прямая со стрелкой 8"/>
+          <p:cNvCxnSpPr/>
+          <p:nvPr/>
+        </p:nvCxnSpPr>
+        <p:spPr>
+          <a:xfrm flipH="1">
+            <a:off x="2596056" y="1398954"/>
+            <a:ext cx="3468682" cy="398315"/>
+          </a:xfrm>
+          <a:prstGeom prst="straightConnector1">
+            <a:avLst/>
+          </a:prstGeom>
+          <a:ln w="25400">
+            <a:solidFill>
+              <a:schemeClr val="tx1"/>
+            </a:solidFill>
+            <a:tailEnd type="triangle"/>
+          </a:ln>
+        </p:spPr>
+        <p:style>
+          <a:lnRef idx="1">
+            <a:schemeClr val="accent1"/>
+          </a:lnRef>
+          <a:fillRef idx="0">
+            <a:schemeClr val="accent1"/>
+          </a:fillRef>
+          <a:effectRef idx="0">
+            <a:schemeClr val="accent1"/>
+          </a:effectRef>
+          <a:fontRef idx="minor">
+            <a:schemeClr val="tx1"/>
+          </a:fontRef>
+        </p:style>
+      </p:cxnSp>
+      <p:cxnSp>
+        <p:nvCxnSpPr>
+          <p:cNvPr id="11" name="Прямая со стрелкой 10"/>
+          <p:cNvCxnSpPr/>
+          <p:nvPr/>
+        </p:nvCxnSpPr>
+        <p:spPr>
+          <a:xfrm>
+            <a:off x="6064738" y="1398954"/>
+            <a:ext cx="2086708" cy="398315"/>
+          </a:xfrm>
+          <a:prstGeom prst="straightConnector1">
+            <a:avLst/>
+          </a:prstGeom>
+          <a:ln w="25400">
+            <a:solidFill>
+              <a:schemeClr val="tx1"/>
+            </a:solidFill>
+            <a:tailEnd type="triangle"/>
+          </a:ln>
+        </p:spPr>
+        <p:style>
+          <a:lnRef idx="1">
+            <a:schemeClr val="accent1"/>
+          </a:lnRef>
+          <a:fillRef idx="0">
+            <a:schemeClr val="accent1"/>
+          </a:fillRef>
+          <a:effectRef idx="0">
+            <a:schemeClr val="accent1"/>
+          </a:effectRef>
+          <a:fontRef idx="minor">
+            <a:schemeClr val="tx1"/>
+          </a:fontRef>
+        </p:style>
+      </p:cxnSp>
+      <p:cxnSp>
+        <p:nvCxnSpPr>
+          <p:cNvPr id="14" name="Прямая со стрелкой 13"/>
+          <p:cNvCxnSpPr/>
+          <p:nvPr/>
+        </p:nvCxnSpPr>
+        <p:spPr>
+          <a:xfrm flipH="1">
+            <a:off x="6064738" y="2969846"/>
+            <a:ext cx="2032000" cy="758092"/>
+          </a:xfrm>
+          <a:prstGeom prst="straightConnector1">
+            <a:avLst/>
+          </a:prstGeom>
+          <a:ln w="25400">
+            <a:solidFill>
+              <a:schemeClr val="tx1"/>
+            </a:solidFill>
+            <a:tailEnd type="triangle"/>
+          </a:ln>
+        </p:spPr>
+        <p:style>
+          <a:lnRef idx="1">
+            <a:schemeClr val="accent1"/>
+          </a:lnRef>
+          <a:fillRef idx="0">
+            <a:schemeClr val="accent1"/>
+          </a:fillRef>
+          <a:effectRef idx="0">
+            <a:schemeClr val="accent1"/>
+          </a:effectRef>
+          <a:fontRef idx="minor">
+            <a:schemeClr val="tx1"/>
+          </a:fontRef>
+        </p:style>
+      </p:cxnSp>
+      <p:cxnSp>
+        <p:nvCxnSpPr>
+          <p:cNvPr id="17" name="Прямая со стрелкой 16"/>
+          <p:cNvCxnSpPr/>
+          <p:nvPr/>
+        </p:nvCxnSpPr>
+        <p:spPr>
+          <a:xfrm>
+            <a:off x="8096738" y="2969846"/>
+            <a:ext cx="1891324" cy="758092"/>
+          </a:xfrm>
+          <a:prstGeom prst="straightConnector1">
+            <a:avLst/>
+          </a:prstGeom>
+          <a:ln w="25400">
+            <a:solidFill>
+              <a:schemeClr val="tx1"/>
+            </a:solidFill>
+            <a:tailEnd type="triangle"/>
+          </a:ln>
+        </p:spPr>
+        <p:style>
+          <a:lnRef idx="1">
+            <a:schemeClr val="accent1"/>
+          </a:lnRef>
+          <a:fillRef idx="0">
+            <a:schemeClr val="accent1"/>
+          </a:fillRef>
+          <a:effectRef idx="0">
+            <a:schemeClr val="accent1"/>
+          </a:effectRef>
+          <a:fontRef idx="minor">
+            <a:schemeClr val="tx1"/>
+          </a:fontRef>
+        </p:style>
+      </p:cxnSp>
+    </p:spTree>
+    <p:extLst>
+      <p:ext uri="{BB962C8B-B14F-4D97-AF65-F5344CB8AC3E}">
+        <p14:creationId xmlns:p14="http://schemas.microsoft.com/office/powerpoint/2010/main" val="4199629228"/>
+      </p:ext>
+    </p:extLst>
+  </p:cSld>
+  <p:clrMapOvr>
+    <a:masterClrMapping/>
+  </p:clrMapOvr>
+</p:sld>
+</file>
+
+<file path=ppt/slides/slide7.xml><?xml version="1.0" encoding="utf-8"?>
+<p:sld xmlns:a="http://schemas.openxmlformats.org/drawingml/2006/main" xmlns:r="http://schemas.openxmlformats.org/officeDocument/2006/relationships" xmlns:p="http://schemas.openxmlformats.org/presentationml/2006/main">
+  <p:cSld>
+    <p:spTree>
+      <p:nvGrpSpPr>
+        <p:cNvPr id="1" name=""/>
+        <p:cNvGrpSpPr/>
+        <p:nvPr/>
+      </p:nvGrpSpPr>
+      <p:grpSpPr>
+        <a:xfrm>
+          <a:off x="0" y="0"/>
+          <a:ext cx="0" cy="0"/>
+          <a:chOff x="0" y="0"/>
+          <a:chExt cx="0" cy="0"/>
+        </a:xfrm>
+      </p:grpSpPr>
+      <p:sp>
+        <p:nvSpPr>
+          <p:cNvPr id="2" name="Заголовок 1"/>
+          <p:cNvSpPr>
+            <a:spLocks noGrp="1"/>
+          </p:cNvSpPr>
+          <p:nvPr>
+            <p:ph type="title"/>
+          </p:nvPr>
+        </p:nvSpPr>
+        <p:spPr/>
+        <p:txBody>
+          <a:bodyPr/>
+          <a:lstStyle/>
+          <a:p>
+            <a:r>
+              <a:rPr lang="ru-RU" dirty="0"/>
+              <a:t>Генерация нового </a:t>
+            </a:r>
+            <a:r>
+              <a:rPr lang="ru-RU" dirty="0" smtClean="0"/>
+              <a:t>текста</a:t>
+            </a:r>
+            <a:endParaRPr lang="ru-RU" dirty="0"/>
+          </a:p>
+        </p:txBody>
+      </p:sp>
+      <p:sp>
+        <p:nvSpPr>
+          <p:cNvPr id="3" name="Объект 2"/>
+          <p:cNvSpPr>
+            <a:spLocks noGrp="1"/>
+          </p:cNvSpPr>
+          <p:nvPr>
+            <p:ph idx="1"/>
+          </p:nvPr>
+        </p:nvSpPr>
+        <p:spPr>
+          <a:xfrm>
+            <a:off x="838200" y="1825625"/>
+            <a:ext cx="6101861" cy="4351338"/>
+          </a:xfrm>
+        </p:spPr>
+        <p:txBody>
+          <a:bodyPr>
+            <a:normAutofit fontScale="92500" lnSpcReduction="10000"/>
+          </a:bodyPr>
+          <a:lstStyle/>
+          <a:p>
+            <a:r>
+              <a:rPr lang="ru-RU" dirty="0"/>
+              <a:t>Синтаксическое упрощение - </a:t>
+            </a:r>
+            <a:r>
+              <a:rPr lang="ru-RU" dirty="0" smtClean="0"/>
+              <a:t>выявление грамматически </a:t>
+            </a:r>
+            <a:r>
+              <a:rPr lang="ru-RU" dirty="0"/>
+              <a:t>сложных частей текста и их переписывание для облегчения </a:t>
+            </a:r>
+            <a:r>
+              <a:rPr lang="ru-RU" dirty="0" smtClean="0"/>
+              <a:t>понимания.</a:t>
+            </a:r>
+          </a:p>
+          <a:p>
+            <a:r>
+              <a:rPr lang="ru-RU" dirty="0"/>
+              <a:t>Статистический машинный перевод </a:t>
+            </a:r>
+            <a:r>
+              <a:rPr lang="ru-RU" dirty="0" smtClean="0"/>
+              <a:t>- сведение задачи </a:t>
+            </a:r>
+            <a:r>
+              <a:rPr lang="ru-RU" dirty="0"/>
+              <a:t>упрощения </a:t>
+            </a:r>
+            <a:r>
+              <a:rPr lang="ru-RU" dirty="0" smtClean="0"/>
+              <a:t>к </a:t>
+            </a:r>
+            <a:r>
+              <a:rPr lang="ru-RU" dirty="0"/>
+              <a:t>переводу с исходного «сложного» языка на целевой «простой» язык</a:t>
+            </a:r>
+            <a:r>
+              <a:rPr lang="ru-RU" dirty="0" smtClean="0"/>
+              <a:t>.</a:t>
+            </a:r>
+          </a:p>
+          <a:p>
+            <a:r>
+              <a:rPr lang="ru-RU" dirty="0"/>
+              <a:t>Использование методов глубокого обучения </a:t>
+            </a:r>
+            <a:r>
+              <a:rPr lang="ru-RU" dirty="0" smtClean="0"/>
+              <a:t>– формулировка задачи </a:t>
+            </a:r>
+            <a:r>
+              <a:rPr lang="ru-RU" dirty="0"/>
+              <a:t>упрощения </a:t>
+            </a:r>
+            <a:r>
+              <a:rPr lang="ru-RU" dirty="0" smtClean="0"/>
+              <a:t>в терминах </a:t>
+            </a:r>
+            <a:r>
+              <a:rPr lang="ru-RU" dirty="0"/>
+              <a:t>моделирования seq2seq.</a:t>
+            </a:r>
+          </a:p>
+        </p:txBody>
+      </p:sp>
+      <p:sp>
+        <p:nvSpPr>
+          <p:cNvPr id="4" name="Номер слайда 3"/>
+          <p:cNvSpPr>
+            <a:spLocks noGrp="1"/>
+          </p:cNvSpPr>
+          <p:nvPr>
+            <p:ph type="sldNum" sz="quarter" idx="12"/>
+          </p:nvPr>
+        </p:nvSpPr>
+        <p:spPr/>
+        <p:txBody>
+          <a:bodyPr/>
+          <a:lstStyle/>
+          <a:p>
+            <a:fld id="{C3D39DBA-7BC8-4DF7-BDDF-033362F667C7}" type="slidenum">
+              <a:rPr lang="ru-RU" sz="1600" smtClean="0"/>
+              <a:t>7</a:t>
+            </a:fld>
+            <a:endParaRPr lang="ru-RU" sz="1600" dirty="0"/>
           </a:p>
         </p:txBody>
       </p:sp>
       <p:pic>
         <p:nvPicPr>
-          <p:cNvPr id="10" name="Объект 9"/>
+          <p:cNvPr id="5" name="Рисунок 4"/>
           <p:cNvPicPr>
-            <a:picLocks noGrp="1" noChangeAspect="1"/>
+            <a:picLocks noChangeAspect="1"/>
           </p:cNvPicPr>
-          <p:nvPr>
-            <p:ph idx="1"/>
-          </p:nvPr>
+          <p:nvPr/>
         </p:nvPicPr>
         <p:blipFill>
           <a:blip r:embed="rId2"/>
@@ -4300,14 +5653,216 @@
         </p:blipFill>
         <p:spPr>
           <a:xfrm>
-            <a:off x="2022862" y="1825625"/>
-            <a:ext cx="8146275" cy="4351338"/>
+            <a:off x="6940061" y="1932965"/>
+            <a:ext cx="4975944" cy="3306201"/>
           </a:xfrm>
           <a:prstGeom prst="rect">
             <a:avLst/>
           </a:prstGeom>
         </p:spPr>
       </p:pic>
+      <p:sp>
+        <p:nvSpPr>
+          <p:cNvPr id="6" name="TextBox 5"/>
+          <p:cNvSpPr txBox="1"/>
+          <p:nvPr/>
+        </p:nvSpPr>
+        <p:spPr>
+          <a:xfrm>
+            <a:off x="7494702" y="5207541"/>
+            <a:ext cx="3866662" cy="369332"/>
+          </a:xfrm>
+          <a:prstGeom prst="rect">
+            <a:avLst/>
+          </a:prstGeom>
+          <a:noFill/>
+        </p:spPr>
+        <p:txBody>
+          <a:bodyPr wrap="square" rtlCol="0">
+            <a:spAutoFit/>
+          </a:bodyPr>
+          <a:lstStyle/>
+          <a:p>
+            <a:pPr algn="ctr"/>
+            <a:r>
+              <a:rPr lang="ru-RU" dirty="0" smtClean="0"/>
+              <a:t>Синтаксическое упрощение</a:t>
+            </a:r>
+            <a:endParaRPr lang="ru-RU" dirty="0"/>
+          </a:p>
+        </p:txBody>
+      </p:sp>
+    </p:spTree>
+    <p:extLst>
+      <p:ext uri="{BB962C8B-B14F-4D97-AF65-F5344CB8AC3E}">
+        <p14:creationId xmlns:p14="http://schemas.microsoft.com/office/powerpoint/2010/main" val="2813400590"/>
+      </p:ext>
+    </p:extLst>
+  </p:cSld>
+  <p:clrMapOvr>
+    <a:masterClrMapping/>
+  </p:clrMapOvr>
+</p:sld>
+</file>
+
+<file path=ppt/slides/slide8.xml><?xml version="1.0" encoding="utf-8"?>
+<p:sld xmlns:a="http://schemas.openxmlformats.org/drawingml/2006/main" xmlns:r="http://schemas.openxmlformats.org/officeDocument/2006/relationships" xmlns:p="http://schemas.openxmlformats.org/presentationml/2006/main">
+  <p:cSld>
+    <p:spTree>
+      <p:nvGrpSpPr>
+        <p:cNvPr id="1" name=""/>
+        <p:cNvGrpSpPr/>
+        <p:nvPr/>
+      </p:nvGrpSpPr>
+      <p:grpSpPr>
+        <a:xfrm>
+          <a:off x="0" y="0"/>
+          <a:ext cx="0" cy="0"/>
+          <a:chOff x="0" y="0"/>
+          <a:chExt cx="0" cy="0"/>
+        </a:xfrm>
+      </p:grpSpPr>
+      <p:sp>
+        <p:nvSpPr>
+          <p:cNvPr id="2" name="Заголовок 1"/>
+          <p:cNvSpPr>
+            <a:spLocks noGrp="1"/>
+          </p:cNvSpPr>
+          <p:nvPr>
+            <p:ph type="title"/>
+          </p:nvPr>
+        </p:nvSpPr>
+        <p:spPr/>
+        <p:txBody>
+          <a:bodyPr/>
+          <a:lstStyle/>
+          <a:p>
+            <a:r>
+              <a:rPr lang="ru-RU" sz="4800" b="1" dirty="0" smtClean="0"/>
+              <a:t>Классификация</a:t>
+            </a:r>
+            <a:r>
+              <a:rPr lang="ru-RU" b="1" dirty="0" smtClean="0"/>
+              <a:t> </a:t>
+            </a:r>
+            <a:r>
+              <a:rPr lang="ru-RU" sz="4800" b="1" dirty="0" smtClean="0"/>
+              <a:t>решений</a:t>
+            </a:r>
+            <a:endParaRPr lang="ru-RU" dirty="0"/>
+          </a:p>
+        </p:txBody>
+      </p:sp>
+      <p:pic>
+        <p:nvPicPr>
+          <p:cNvPr id="10" name="Объект 9"/>
+          <p:cNvPicPr>
+            <a:picLocks noGrp="1" noChangeAspect="1"/>
+          </p:cNvPicPr>
+          <p:nvPr>
+            <p:ph idx="1"/>
+          </p:nvPr>
+        </p:nvPicPr>
+        <p:blipFill>
+          <a:blip r:embed="rId2"/>
+          <a:stretch>
+            <a:fillRect/>
+          </a:stretch>
+        </p:blipFill>
+        <p:spPr>
+          <a:xfrm>
+            <a:off x="2022862" y="1364518"/>
+            <a:ext cx="7535353" cy="4025014"/>
+          </a:xfrm>
+          <a:prstGeom prst="rect">
+            <a:avLst/>
+          </a:prstGeom>
+        </p:spPr>
+      </p:pic>
+      <p:sp>
+        <p:nvSpPr>
+          <p:cNvPr id="3" name="Номер слайда 2"/>
+          <p:cNvSpPr>
+            <a:spLocks noGrp="1"/>
+          </p:cNvSpPr>
+          <p:nvPr>
+            <p:ph type="sldNum" sz="quarter" idx="12"/>
+          </p:nvPr>
+        </p:nvSpPr>
+        <p:spPr/>
+        <p:txBody>
+          <a:bodyPr/>
+          <a:lstStyle/>
+          <a:p>
+            <a:fld id="{C3D39DBA-7BC8-4DF7-BDDF-033362F667C7}" type="slidenum">
+              <a:rPr lang="ru-RU" sz="1600" smtClean="0"/>
+              <a:t>8</a:t>
+            </a:fld>
+            <a:endParaRPr lang="ru-RU" sz="1600" dirty="0"/>
+          </a:p>
+        </p:txBody>
+      </p:sp>
+      <p:sp>
+        <p:nvSpPr>
+          <p:cNvPr id="4" name="TextBox 3"/>
+          <p:cNvSpPr txBox="1"/>
+          <p:nvPr/>
+        </p:nvSpPr>
+        <p:spPr>
+          <a:xfrm>
+            <a:off x="1016000" y="5728677"/>
+            <a:ext cx="10337800" cy="923330"/>
+          </a:xfrm>
+          <a:prstGeom prst="rect">
+            <a:avLst/>
+          </a:prstGeom>
+          <a:noFill/>
+        </p:spPr>
+        <p:txBody>
+          <a:bodyPr wrap="square" rtlCol="0">
+            <a:spAutoFit/>
+          </a:bodyPr>
+          <a:lstStyle/>
+          <a:p>
+            <a:r>
+              <a:rPr lang="ru-RU" b="1" dirty="0"/>
+              <a:t>Дополнительные </a:t>
+            </a:r>
+            <a:r>
+              <a:rPr lang="ru-RU" b="1" dirty="0" smtClean="0"/>
+              <a:t>показатели: </a:t>
+            </a:r>
+            <a:r>
+              <a:rPr lang="ru-RU" dirty="0"/>
+              <a:t>л</a:t>
+            </a:r>
+            <a:r>
+              <a:rPr lang="ru-RU" dirty="0" smtClean="0"/>
+              <a:t>ексическая сложность, глубина </a:t>
+            </a:r>
+            <a:r>
+              <a:rPr lang="ru-RU" dirty="0"/>
+              <a:t>дерева </a:t>
+            </a:r>
+            <a:r>
+              <a:rPr lang="ru-RU" dirty="0" smtClean="0"/>
+              <a:t>зависимостей, длина предложений, легкость чтения,  косинусное сходство, сохранение </a:t>
+            </a:r>
+            <a:r>
+              <a:rPr lang="ru-RU" dirty="0"/>
+              <a:t>именованных </a:t>
+            </a:r>
+            <a:r>
+              <a:rPr lang="ru-RU" dirty="0" smtClean="0"/>
+              <a:t>сущностей, ROUGE-L</a:t>
+            </a:r>
+            <a:endParaRPr lang="ru-RU" dirty="0"/>
+          </a:p>
+          <a:p>
+            <a:endParaRPr lang="ru-RU" dirty="0"/>
+          </a:p>
+        </p:txBody>
+      </p:sp>
     </p:spTree>
     <p:extLst>
       <p:ext uri="{BB962C8B-B14F-4D97-AF65-F5344CB8AC3E}">
@@ -4328,7 +5883,7 @@
 </p:sld>
 </file>
 
-<file path=ppt/slides/slide7.xml><?xml version="1.0" encoding="utf-8"?>
+<file path=ppt/slides/slide9.xml><?xml version="1.0" encoding="utf-8"?>
 <p:sld xmlns:a="http://schemas.openxmlformats.org/drawingml/2006/main" xmlns:r="http://schemas.openxmlformats.org/officeDocument/2006/relationships" xmlns:p="http://schemas.openxmlformats.org/presentationml/2006/main">
   <p:cSld>
     <p:spTree>
@@ -4357,192 +5912,46 @@
         </p:nvSpPr>
         <p:spPr/>
         <p:txBody>
+          <a:bodyPr/>
+          <a:lstStyle/>
+          <a:p>
+            <a:r>
+              <a:rPr lang="ru-RU" sz="4800" b="1" dirty="0" smtClean="0"/>
+              <a:t>Заключение</a:t>
+            </a:r>
+            <a:endParaRPr lang="ru-RU" sz="4800" b="1" dirty="0"/>
+          </a:p>
+        </p:txBody>
+      </p:sp>
+      <p:sp>
+        <p:nvSpPr>
+          <p:cNvPr id="3" name="Объект 2"/>
+          <p:cNvSpPr>
+            <a:spLocks noGrp="1"/>
+          </p:cNvSpPr>
+          <p:nvPr>
+            <p:ph idx="1"/>
+          </p:nvPr>
+        </p:nvSpPr>
+        <p:spPr>
+          <a:xfrm>
+            <a:off x="838200" y="1690688"/>
+            <a:ext cx="10515600" cy="4782207"/>
+          </a:xfrm>
+        </p:spPr>
+        <p:txBody>
           <a:bodyPr>
             <a:noAutofit/>
           </a:bodyPr>
           <a:lstStyle/>
           <a:p>
             <a:r>
-              <a:rPr lang="ru-RU" sz="4800" b="1" dirty="0" smtClean="0"/>
-              <a:t>Дополнительные показатели для отбора данных</a:t>
-            </a:r>
-            <a:endParaRPr lang="ru-RU" sz="4800" b="1" dirty="0"/>
-          </a:p>
-        </p:txBody>
-      </p:sp>
-      <p:sp>
-        <p:nvSpPr>
-          <p:cNvPr id="3" name="Объект 2"/>
-          <p:cNvSpPr>
-            <a:spLocks noGrp="1"/>
-          </p:cNvSpPr>
-          <p:nvPr>
-            <p:ph idx="1"/>
-          </p:nvPr>
-        </p:nvSpPr>
-        <p:spPr>
-          <a:xfrm>
-            <a:off x="838200" y="2076763"/>
-            <a:ext cx="10515600" cy="4351338"/>
-          </a:xfrm>
-        </p:spPr>
-        <p:txBody>
-          <a:bodyPr>
-            <a:normAutofit/>
-          </a:bodyPr>
-          <a:lstStyle/>
-          <a:p>
+              <a:rPr lang="ru-RU" sz="2400" dirty="0"/>
+              <a:t>п</a:t>
+            </a:r>
             <a:r>
               <a:rPr lang="ru-RU" sz="2400" dirty="0" smtClean="0"/>
-              <a:t>Лексическая сложность</a:t>
-            </a:r>
-          </a:p>
-          <a:p>
-            <a:r>
-              <a:rPr lang="ru-RU" sz="2400" dirty="0" smtClean="0"/>
-              <a:t>Глубина </a:t>
-            </a:r>
-            <a:r>
-              <a:rPr lang="ru-RU" sz="2400" dirty="0"/>
-              <a:t>дерева зависимостей </a:t>
-            </a:r>
-            <a:endParaRPr lang="ru-RU" sz="2400" dirty="0" smtClean="0"/>
-          </a:p>
-          <a:p>
-            <a:r>
-              <a:rPr lang="ru-RU" sz="2400" dirty="0" smtClean="0"/>
-              <a:t>Длина предложений</a:t>
-            </a:r>
-          </a:p>
-          <a:p>
-            <a:r>
-              <a:rPr lang="ru-RU" sz="2400" dirty="0" smtClean="0"/>
-              <a:t>Легкость </a:t>
-            </a:r>
-            <a:r>
-              <a:rPr lang="ru-RU" sz="2400" dirty="0"/>
-              <a:t>чтения </a:t>
-            </a:r>
-            <a:endParaRPr lang="ru-RU" sz="2400" dirty="0" smtClean="0"/>
-          </a:p>
-          <a:p>
-            <a:r>
-              <a:rPr lang="ru-RU" sz="2400" dirty="0" smtClean="0"/>
-              <a:t>Косинусное сходство </a:t>
-            </a:r>
-          </a:p>
-          <a:p>
-            <a:r>
-              <a:rPr lang="ru-RU" sz="2400" dirty="0"/>
-              <a:t>С</a:t>
-            </a:r>
-            <a:r>
-              <a:rPr lang="ru-RU" sz="2400" dirty="0" smtClean="0"/>
-              <a:t>охранения </a:t>
-            </a:r>
-            <a:r>
-              <a:rPr lang="ru-RU" sz="2400" dirty="0"/>
-              <a:t>именованных </a:t>
-            </a:r>
-            <a:r>
-              <a:rPr lang="ru-RU" sz="2400" dirty="0" smtClean="0"/>
-              <a:t>сущностей</a:t>
-            </a:r>
-          </a:p>
-          <a:p>
-            <a:r>
-              <a:rPr lang="ru-RU" sz="2400" dirty="0" smtClean="0"/>
-              <a:t>ROUGE-L</a:t>
-            </a:r>
-            <a:endParaRPr lang="ru-RU" sz="2400" dirty="0"/>
-          </a:p>
-        </p:txBody>
-      </p:sp>
-    </p:spTree>
-    <p:extLst>
-      <p:ext uri="{BB962C8B-B14F-4D97-AF65-F5344CB8AC3E}">
-        <p14:creationId xmlns:p14="http://schemas.microsoft.com/office/powerpoint/2010/main" val="4170243365"/>
-      </p:ext>
-    </p:extLst>
-  </p:cSld>
-  <p:clrMapOvr>
-    <a:masterClrMapping/>
-  </p:clrMapOvr>
-  <p:timing>
-    <p:tnLst>
-      <p:par>
-        <p:cTn id="1" dur="indefinite" restart="never" nodeType="tmRoot"/>
-      </p:par>
-    </p:tnLst>
-  </p:timing>
-</p:sld>
-</file>
-
-<file path=ppt/slides/slide8.xml><?xml version="1.0" encoding="utf-8"?>
-<p:sld xmlns:a="http://schemas.openxmlformats.org/drawingml/2006/main" xmlns:r="http://schemas.openxmlformats.org/officeDocument/2006/relationships" xmlns:p="http://schemas.openxmlformats.org/presentationml/2006/main">
-  <p:cSld>
-    <p:spTree>
-      <p:nvGrpSpPr>
-        <p:cNvPr id="1" name=""/>
-        <p:cNvGrpSpPr/>
-        <p:nvPr/>
-      </p:nvGrpSpPr>
-      <p:grpSpPr>
-        <a:xfrm>
-          <a:off x="0" y="0"/>
-          <a:ext cx="0" cy="0"/>
-          <a:chOff x="0" y="0"/>
-          <a:chExt cx="0" cy="0"/>
-        </a:xfrm>
-      </p:grpSpPr>
-      <p:sp>
-        <p:nvSpPr>
-          <p:cNvPr id="2" name="Заголовок 1"/>
-          <p:cNvSpPr>
-            <a:spLocks noGrp="1"/>
-          </p:cNvSpPr>
-          <p:nvPr>
-            <p:ph type="title"/>
-          </p:nvPr>
-        </p:nvSpPr>
-        <p:spPr/>
-        <p:txBody>
-          <a:bodyPr/>
-          <a:lstStyle/>
-          <a:p>
-            <a:r>
-              <a:rPr lang="ru-RU" sz="4800" b="1" dirty="0" smtClean="0"/>
-              <a:t>Выводы</a:t>
-            </a:r>
-            <a:endParaRPr lang="ru-RU" sz="4800" b="1" dirty="0"/>
-          </a:p>
-        </p:txBody>
-      </p:sp>
-      <p:sp>
-        <p:nvSpPr>
-          <p:cNvPr id="3" name="Объект 2"/>
-          <p:cNvSpPr>
-            <a:spLocks noGrp="1"/>
-          </p:cNvSpPr>
-          <p:nvPr>
-            <p:ph idx="1"/>
-          </p:nvPr>
-        </p:nvSpPr>
-        <p:spPr>
-          <a:xfrm>
-            <a:off x="838200" y="1997482"/>
-            <a:ext cx="10515600" cy="4782207"/>
-          </a:xfrm>
-        </p:spPr>
-        <p:txBody>
-          <a:bodyPr>
-            <a:noAutofit/>
-          </a:bodyPr>
-          <a:lstStyle/>
-          <a:p>
-            <a:r>
-              <a:rPr lang="ru-RU" sz="2400" dirty="0" smtClean="0"/>
-              <a:t>Проведен </a:t>
+              <a:t>роведен </a:t>
             </a:r>
             <a:r>
               <a:rPr lang="ru-RU" sz="2400" dirty="0"/>
@@ -4550,14 +5959,18 @@
             </a:r>
             <a:r>
               <a:rPr lang="ru-RU" sz="2400" dirty="0" smtClean="0"/>
-              <a:t>области.</a:t>
+              <a:t>области</a:t>
+            </a:r>
+            <a:r>
+              <a:rPr lang="en-US" sz="2400" dirty="0" smtClean="0"/>
+              <a:t>;</a:t>
             </a:r>
             <a:endParaRPr lang="ru-RU" sz="2400" dirty="0"/>
           </a:p>
           <a:p>
             <a:r>
               <a:rPr lang="ru-RU" sz="2400" dirty="0" smtClean="0"/>
-              <a:t>Рассмотрены </a:t>
+              <a:t>рассмотрены </a:t>
             </a:r>
             <a:r>
               <a:rPr lang="ru-RU" sz="2400" dirty="0"/>
@@ -4565,13 +5978,26 @@
             </a:r>
             <a:r>
               <a:rPr lang="ru-RU" sz="2400" dirty="0" smtClean="0"/>
-              <a:t>упрощения.</a:t>
-            </a:r>
+              <a:t>упрощения</a:t>
+            </a:r>
+            <a:r>
+              <a:rPr lang="en-US" sz="2400" dirty="0" smtClean="0"/>
+              <a:t>;</a:t>
+            </a:r>
+            <a:endParaRPr lang="ru-RU" sz="2400" dirty="0" smtClean="0"/>
           </a:p>
           <a:p>
             <a:r>
               <a:rPr lang="ru-RU" sz="2400" dirty="0"/>
-              <a:t>Сформулированы критерии выбора </a:t>
+              <a:t>с</a:t>
+            </a:r>
+            <a:r>
+              <a:rPr lang="ru-RU" sz="2400" dirty="0" smtClean="0"/>
+              <a:t>формулированы </a:t>
+            </a:r>
+            <a:r>
+              <a:rPr lang="ru-RU" sz="2400" dirty="0"/>
+              <a:t>критерии выбора </a:t>
             </a:r>
             <a:r>
               <a:rPr lang="ru-RU" sz="2400" dirty="0" smtClean="0"/>
@@ -4583,14 +6009,22 @@
             </a:r>
             <a:r>
               <a:rPr lang="ru-RU" sz="2400" dirty="0" smtClean="0"/>
-              <a:t>текстов.</a:t>
+              <a:t>текстов</a:t>
+            </a:r>
+            <a:r>
+              <a:rPr lang="en-US" sz="2400" dirty="0" smtClean="0"/>
+              <a:t>;</a:t>
             </a:r>
             <a:endParaRPr lang="ru-RU" sz="2400" dirty="0"/>
           </a:p>
           <a:p>
             <a:r>
+              <a:rPr lang="ru-RU" sz="2400" dirty="0"/>
+              <a:t>п</a:t>
+            </a:r>
+            <a:r>
               <a:rPr lang="ru-RU" sz="2400" dirty="0" smtClean="0"/>
-              <a:t>Проведены </a:t>
+              <a:t>роведены </a:t>
             </a:r>
             <a:r>
               <a:rPr lang="ru-RU" sz="2400" dirty="0"/>
@@ -4598,24 +6032,131 @@
             </a:r>
             <a:r>
               <a:rPr lang="ru-RU" sz="2400" dirty="0" smtClean="0"/>
-              <a:t>и классификация </a:t>
-            </a:r>
-            <a:r>
-              <a:rPr lang="ru-RU" sz="2400" smtClean="0"/>
-              <a:t>существующих </a:t>
-            </a:r>
-            <a:r>
-              <a:rPr lang="ru-RU" sz="2400" smtClean="0"/>
-              <a:t>решений.</a:t>
+              <a:t>и классификация существующих </a:t>
+            </a:r>
+            <a:r>
+              <a:rPr lang="ru-RU" sz="2400" dirty="0" smtClean="0"/>
+              <a:t>решений</a:t>
+            </a:r>
+            <a:r>
+              <a:rPr lang="en-US" sz="2400" dirty="0" smtClean="0"/>
+              <a:t>;</a:t>
             </a:r>
             <a:endParaRPr lang="ru-RU" sz="2400" dirty="0"/>
           </a:p>
           <a:p>
             <a:r>
+              <a:rPr lang="ru-RU" sz="2400" dirty="0"/>
+              <a:t>в</a:t>
+            </a:r>
+            <a:r>
               <a:rPr lang="ru-RU" sz="2400" dirty="0" smtClean="0"/>
-              <a:t>Выбран наиболее подходящий метод.</a:t>
-            </a:r>
+              <a:t>ыбран </a:t>
+            </a:r>
+            <a:r>
+              <a:rPr lang="ru-RU" sz="2400" dirty="0" smtClean="0"/>
+              <a:t>наиболее подходящий метод</a:t>
+            </a:r>
+            <a:r>
+              <a:rPr lang="ru-RU" sz="2400" dirty="0" smtClean="0"/>
+              <a:t>.</a:t>
+            </a:r>
+          </a:p>
+          <a:p>
             <a:endParaRPr lang="ru-RU" sz="2400" dirty="0"/>
+          </a:p>
+          <a:p>
+            <a:pPr marL="0" indent="0">
+              <a:buNone/>
+            </a:pPr>
+            <a:r>
+              <a:rPr lang="ru-RU" sz="2400" dirty="0"/>
+              <a:t>В</a:t>
+            </a:r>
+            <a:r>
+              <a:rPr lang="ru-RU" sz="2400" dirty="0" smtClean="0"/>
+              <a:t>ыбор </a:t>
+            </a:r>
+            <a:r>
+              <a:rPr lang="ru-RU" sz="2400" dirty="0"/>
+              <a:t>из различных методов глубокого обучения слабо влияет на результат </a:t>
+            </a:r>
+            <a:r>
+              <a:rPr lang="ru-RU" sz="2400" dirty="0" smtClean="0"/>
+              <a:t>упрощения. </a:t>
+            </a:r>
+            <a:r>
+              <a:rPr lang="ru-RU" sz="2400" dirty="0"/>
+              <a:t>О</a:t>
+            </a:r>
+            <a:r>
+              <a:rPr lang="ru-RU" sz="2400" dirty="0" smtClean="0"/>
+              <a:t>днако значительное </a:t>
+            </a:r>
+            <a:r>
+              <a:rPr lang="ru-RU" sz="2400" dirty="0"/>
+              <a:t>влияние на результат </a:t>
+            </a:r>
+            <a:r>
+              <a:rPr lang="ru-RU" sz="2400" dirty="0"/>
+              <a:t>оказывает </a:t>
+            </a:r>
+            <a:r>
+              <a:rPr lang="ru-RU" sz="2400" dirty="0" smtClean="0"/>
+              <a:t> использование дополнительных </a:t>
+            </a:r>
+            <a:r>
+              <a:rPr lang="ru-RU" sz="2400" dirty="0"/>
+              <a:t>показателей для фильтрации обучающих данных или для выбора наиболее подходящего упрощения из </a:t>
+            </a:r>
+            <a:r>
+              <a:rPr lang="ru-RU" sz="2400" dirty="0" smtClean="0"/>
+              <a:t>созданных. </a:t>
+            </a:r>
+            <a:r>
+              <a:rPr lang="ru-RU" sz="2400" dirty="0"/>
+              <a:t>И</a:t>
+            </a:r>
+            <a:r>
+              <a:rPr lang="ru-RU" sz="2400" dirty="0" smtClean="0"/>
+              <a:t>х </a:t>
+            </a:r>
+            <a:r>
+              <a:rPr lang="ru-RU" sz="2400" dirty="0"/>
+              <a:t>влияние на результат методов </a:t>
+            </a:r>
+            <a:r>
+              <a:rPr lang="ru-RU" sz="2400" dirty="0" smtClean="0"/>
+              <a:t>глубокого обучения требует </a:t>
+            </a:r>
+            <a:r>
+              <a:rPr lang="ru-RU" sz="2400" dirty="0"/>
+              <a:t>дальнейшего исследования.</a:t>
+            </a:r>
+            <a:endParaRPr lang="ru-RU" sz="2400" dirty="0"/>
+          </a:p>
+        </p:txBody>
+      </p:sp>
+      <p:sp>
+        <p:nvSpPr>
+          <p:cNvPr id="4" name="Номер слайда 3"/>
+          <p:cNvSpPr>
+            <a:spLocks noGrp="1"/>
+          </p:cNvSpPr>
+          <p:nvPr>
+            <p:ph type="sldNum" sz="quarter" idx="12"/>
+          </p:nvPr>
+        </p:nvSpPr>
+        <p:spPr/>
+        <p:txBody>
+          <a:bodyPr/>
+          <a:lstStyle/>
+          <a:p>
+            <a:fld id="{C3D39DBA-7BC8-4DF7-BDDF-033362F667C7}" type="slidenum">
+              <a:rPr lang="ru-RU" sz="1600" smtClean="0"/>
+              <a:t>9</a:t>
+            </a:fld>
+            <a:endParaRPr lang="ru-RU" sz="1600" dirty="0"/>
           </a:p>
         </p:txBody>
       </p:sp>
